--- a/Food Delivery System.pptx
+++ b/Food Delivery System.pptx
@@ -7,11 +7,13 @@
   <p:sldIdLst>
     <p:sldId id="256" r:id="rId2"/>
     <p:sldId id="258" r:id="rId3"/>
-    <p:sldId id="259" r:id="rId4"/>
-    <p:sldId id="260" r:id="rId5"/>
-    <p:sldId id="261" r:id="rId6"/>
-    <p:sldId id="262" r:id="rId7"/>
-    <p:sldId id="263" r:id="rId8"/>
+    <p:sldId id="264" r:id="rId4"/>
+    <p:sldId id="266" r:id="rId5"/>
+    <p:sldId id="259" r:id="rId6"/>
+    <p:sldId id="260" r:id="rId7"/>
+    <p:sldId id="261" r:id="rId8"/>
+    <p:sldId id="262" r:id="rId9"/>
+    <p:sldId id="263" r:id="rId10"/>
   </p:sldIdLst>
   <p:sldSz cx="12192000" cy="6858000"/>
   <p:notesSz cx="6858000" cy="9144000"/>
@@ -110,6 +112,11 @@
       </a:defRPr>
     </a:lvl9pPr>
   </p:defaultTextStyle>
+  <p:extLst>
+    <p:ext uri="{EFAFB233-063F-42B5-8137-9DF3F51BA10A}">
+      <p15:sldGuideLst xmlns:p15="http://schemas.microsoft.com/office/powerpoint/2012/main"/>
+    </p:ext>
+  </p:extLst>
 </p:presentation>
 </file>
 
@@ -260,7 +267,7 @@
           <a:p>
             <a:fld id="{1F19A45D-7DA2-4C32-99C7-5202EC42A9E7}" type="datetimeFigureOut">
               <a:rPr lang="en-US" smtClean="0"/>
-              <a:t>10/15/2020</a:t>
+              <a:t>10/19/2020</a:t>
             </a:fld>
             <a:endParaRPr lang="en-US"/>
           </a:p>
@@ -458,7 +465,7 @@
           <a:p>
             <a:fld id="{1F19A45D-7DA2-4C32-99C7-5202EC42A9E7}" type="datetimeFigureOut">
               <a:rPr lang="en-US" smtClean="0"/>
-              <a:t>10/15/2020</a:t>
+              <a:t>10/19/2020</a:t>
             </a:fld>
             <a:endParaRPr lang="en-US"/>
           </a:p>
@@ -666,7 +673,7 @@
           <a:p>
             <a:fld id="{1F19A45D-7DA2-4C32-99C7-5202EC42A9E7}" type="datetimeFigureOut">
               <a:rPr lang="en-US" smtClean="0"/>
-              <a:t>10/15/2020</a:t>
+              <a:t>10/19/2020</a:t>
             </a:fld>
             <a:endParaRPr lang="en-US"/>
           </a:p>
@@ -864,7 +871,7 @@
           <a:p>
             <a:fld id="{1F19A45D-7DA2-4C32-99C7-5202EC42A9E7}" type="datetimeFigureOut">
               <a:rPr lang="en-US" smtClean="0"/>
-              <a:t>10/15/2020</a:t>
+              <a:t>10/19/2020</a:t>
             </a:fld>
             <a:endParaRPr lang="en-US"/>
           </a:p>
@@ -1139,7 +1146,7 @@
           <a:p>
             <a:fld id="{1F19A45D-7DA2-4C32-99C7-5202EC42A9E7}" type="datetimeFigureOut">
               <a:rPr lang="en-US" smtClean="0"/>
-              <a:t>10/15/2020</a:t>
+              <a:t>10/19/2020</a:t>
             </a:fld>
             <a:endParaRPr lang="en-US"/>
           </a:p>
@@ -1404,7 +1411,7 @@
           <a:p>
             <a:fld id="{1F19A45D-7DA2-4C32-99C7-5202EC42A9E7}" type="datetimeFigureOut">
               <a:rPr lang="en-US" smtClean="0"/>
-              <a:t>10/15/2020</a:t>
+              <a:t>10/19/2020</a:t>
             </a:fld>
             <a:endParaRPr lang="en-US"/>
           </a:p>
@@ -1816,7 +1823,7 @@
           <a:p>
             <a:fld id="{1F19A45D-7DA2-4C32-99C7-5202EC42A9E7}" type="datetimeFigureOut">
               <a:rPr lang="en-US" smtClean="0"/>
-              <a:t>10/15/2020</a:t>
+              <a:t>10/19/2020</a:t>
             </a:fld>
             <a:endParaRPr lang="en-US"/>
           </a:p>
@@ -1957,7 +1964,7 @@
           <a:p>
             <a:fld id="{1F19A45D-7DA2-4C32-99C7-5202EC42A9E7}" type="datetimeFigureOut">
               <a:rPr lang="en-US" smtClean="0"/>
-              <a:t>10/15/2020</a:t>
+              <a:t>10/19/2020</a:t>
             </a:fld>
             <a:endParaRPr lang="en-US"/>
           </a:p>
@@ -2070,7 +2077,7 @@
           <a:p>
             <a:fld id="{1F19A45D-7DA2-4C32-99C7-5202EC42A9E7}" type="datetimeFigureOut">
               <a:rPr lang="en-US" smtClean="0"/>
-              <a:t>10/15/2020</a:t>
+              <a:t>10/19/2020</a:t>
             </a:fld>
             <a:endParaRPr lang="en-US"/>
           </a:p>
@@ -2381,7 +2388,7 @@
           <a:p>
             <a:fld id="{1F19A45D-7DA2-4C32-99C7-5202EC42A9E7}" type="datetimeFigureOut">
               <a:rPr lang="en-US" smtClean="0"/>
-              <a:t>10/15/2020</a:t>
+              <a:t>10/19/2020</a:t>
             </a:fld>
             <a:endParaRPr lang="en-US"/>
           </a:p>
@@ -2669,7 +2676,7 @@
           <a:p>
             <a:fld id="{1F19A45D-7DA2-4C32-99C7-5202EC42A9E7}" type="datetimeFigureOut">
               <a:rPr lang="en-US" smtClean="0"/>
-              <a:t>10/15/2020</a:t>
+              <a:t>10/19/2020</a:t>
             </a:fld>
             <a:endParaRPr lang="en-US"/>
           </a:p>
@@ -2910,7 +2917,7 @@
           <a:p>
             <a:fld id="{1F19A45D-7DA2-4C32-99C7-5202EC42A9E7}" type="datetimeFigureOut">
               <a:rPr lang="en-US" smtClean="0"/>
-              <a:t>10/15/2020</a:t>
+              <a:t>10/19/2020</a:t>
             </a:fld>
             <a:endParaRPr lang="en-US"/>
           </a:p>
@@ -3864,51 +3871,47 @@
               <a:rPr lang="en-US" dirty="0" err="1"/>
               <a:t>Belakang</a:t>
             </a:r>
+            <a:endParaRPr lang="en-US" dirty="0"/>
+          </a:p>
+        </p:txBody>
+      </p:sp>
+      <p:sp>
+        <p:nvSpPr>
+          <p:cNvPr id="3" name="Content Placeholder 2">
+            <a:extLst>
+              <a:ext uri="{FF2B5EF4-FFF2-40B4-BE49-F238E27FC236}">
+                <a16:creationId xmlns:a16="http://schemas.microsoft.com/office/drawing/2014/main" id="{6AD382C9-19F1-4EB9-9E5A-4D8693126C85}"/>
+              </a:ext>
+            </a:extLst>
+          </p:cNvPr>
+          <p:cNvSpPr>
+            <a:spLocks noGrp="1"/>
+          </p:cNvSpPr>
+          <p:nvPr>
+            <p:ph idx="1"/>
+          </p:nvPr>
+        </p:nvSpPr>
+        <p:spPr/>
+        <p:txBody>
+          <a:bodyPr>
+            <a:normAutofit/>
+          </a:bodyPr>
+          <a:lstStyle/>
+          <a:p>
+            <a:pPr marL="514350" indent="-514350">
+              <a:buAutoNum type="arabicPeriod"/>
+            </a:pPr>
+            <a:r>
+              <a:rPr lang="en-US" dirty="0" err="1"/>
+              <a:t>Perekonomian</a:t>
+            </a:r>
             <a:r>
               <a:rPr lang="en-US" dirty="0"/>
-              <a:t> dan </a:t>
+              <a:t> Indonesia </a:t>
             </a:r>
             <a:r>
               <a:rPr lang="en-US" dirty="0" err="1"/>
-              <a:t>Tujuan</a:t>
-            </a:r>
-            <a:endParaRPr lang="en-US" dirty="0"/>
-          </a:p>
-        </p:txBody>
-      </p:sp>
-      <p:sp>
-        <p:nvSpPr>
-          <p:cNvPr id="3" name="Content Placeholder 2">
-            <a:extLst>
-              <a:ext uri="{FF2B5EF4-FFF2-40B4-BE49-F238E27FC236}">
-                <a16:creationId xmlns:a16="http://schemas.microsoft.com/office/drawing/2014/main" id="{6AD382C9-19F1-4EB9-9E5A-4D8693126C85}"/>
-              </a:ext>
-            </a:extLst>
-          </p:cNvPr>
-          <p:cNvSpPr>
-            <a:spLocks noGrp="1"/>
-          </p:cNvSpPr>
-          <p:nvPr>
-            <p:ph idx="1"/>
-          </p:nvPr>
-        </p:nvSpPr>
-        <p:spPr/>
-        <p:txBody>
-          <a:bodyPr>
-            <a:normAutofit fontScale="92500"/>
-          </a:bodyPr>
-          <a:lstStyle/>
-          <a:p>
-            <a:pPr marL="0" indent="0">
-              <a:buNone/>
-            </a:pPr>
-            <a:r>
-              <a:rPr lang="en-US" dirty="0"/>
-              <a:t>Food Delivery System </a:t>
-            </a:r>
-            <a:r>
-              <a:rPr lang="en-US" dirty="0" err="1"/>
-              <a:t>bertujuan</a:t>
+              <a:t>masih</a:t>
             </a:r>
             <a:r>
               <a:rPr lang="en-US" dirty="0"/>
@@ -3916,7 +3919,36 @@
             </a:r>
             <a:r>
               <a:rPr lang="en-US" dirty="0" err="1"/>
-              <a:t>untuk</a:t>
+              <a:t>berada</a:t>
+            </a:r>
+            <a:r>
+              <a:rPr lang="en-US" dirty="0"/>
+              <a:t> di negara </a:t>
+            </a:r>
+            <a:r>
+              <a:rPr lang="en-US" dirty="0" err="1"/>
+              <a:t>berkembang</a:t>
+            </a:r>
+            <a:r>
+              <a:rPr lang="en-US" dirty="0"/>
+              <a:t>.</a:t>
+            </a:r>
+          </a:p>
+          <a:p>
+            <a:pPr marL="514350" indent="-514350">
+              <a:buAutoNum type="arabicPeriod"/>
+            </a:pPr>
+            <a:r>
+              <a:rPr lang="en-US" dirty="0" err="1"/>
+              <a:t>Masakan</a:t>
+            </a:r>
+            <a:r>
+              <a:rPr lang="en-US" dirty="0"/>
+              <a:t> Nusantara di Indonesia </a:t>
+            </a:r>
+            <a:r>
+              <a:rPr lang="en-US" dirty="0" err="1"/>
+              <a:t>masih</a:t>
             </a:r>
             <a:r>
               <a:rPr lang="en-US" dirty="0"/>
@@ -3924,15 +3956,7 @@
             </a:r>
             <a:r>
               <a:rPr lang="en-US" dirty="0" err="1"/>
-              <a:t>membantu</a:t>
-            </a:r>
-            <a:r>
-              <a:rPr lang="en-US" dirty="0"/>
-              <a:t> user </a:t>
-            </a:r>
-            <a:r>
-              <a:rPr lang="en-US" dirty="0" err="1"/>
-              <a:t>memesan</a:t>
+              <a:t>belum</a:t>
             </a:r>
             <a:r>
               <a:rPr lang="en-US" dirty="0"/>
@@ -3940,7 +3964,15 @@
             </a:r>
             <a:r>
               <a:rPr lang="en-US" dirty="0" err="1"/>
-              <a:t>makanan</a:t>
+              <a:t>terkenal</a:t>
+            </a:r>
+            <a:r>
+              <a:rPr lang="en-US" dirty="0"/>
+              <a:t> di </a:t>
+            </a:r>
+            <a:r>
+              <a:rPr lang="en-US" dirty="0" err="1"/>
+              <a:t>kalangan</a:t>
             </a:r>
             <a:r>
               <a:rPr lang="en-US" dirty="0"/>
@@ -3948,7 +3980,20 @@
             </a:r>
             <a:r>
               <a:rPr lang="en-US" dirty="0" err="1"/>
-              <a:t>secara</a:t>
+              <a:t>masyarakat</a:t>
+            </a:r>
+            <a:r>
+              <a:rPr lang="en-US" dirty="0"/>
+              <a:t>.</a:t>
+            </a:r>
+          </a:p>
+          <a:p>
+            <a:pPr marL="514350" indent="-514350">
+              <a:buAutoNum type="arabicPeriod"/>
+            </a:pPr>
+            <a:r>
+              <a:rPr lang="en-US" dirty="0" err="1"/>
+              <a:t>Situasi</a:t>
             </a:r>
             <a:r>
               <a:rPr lang="en-US" dirty="0"/>
@@ -3956,7 +4001,15 @@
             </a:r>
             <a:r>
               <a:rPr lang="en-US" dirty="0" err="1"/>
-              <a:t>jarak</a:t>
+              <a:t>pandemi</a:t>
+            </a:r>
+            <a:r>
+              <a:rPr lang="en-US" dirty="0"/>
+              <a:t> yang </a:t>
+            </a:r>
+            <a:r>
+              <a:rPr lang="en-US" dirty="0" err="1"/>
+              <a:t>membatasi</a:t>
             </a:r>
             <a:r>
               <a:rPr lang="en-US" dirty="0"/>
@@ -3964,15 +4017,24 @@
             </a:r>
             <a:r>
               <a:rPr lang="en-US" dirty="0" err="1"/>
-              <a:t>jauh</a:t>
+              <a:t>ruang</a:t>
             </a:r>
             <a:r>
               <a:rPr lang="en-US" dirty="0"/>
-              <a:t>. User </a:t>
+              <a:t>.</a:t>
+            </a:r>
+          </a:p>
+          <a:p>
+            <a:pPr marL="514350" indent="-514350">
+              <a:buAutoNum type="arabicPeriod"/>
+            </a:pPr>
+            <a:r>
+              <a:rPr lang="en-US" dirty="0"/>
+              <a:t>Indonesia </a:t>
             </a:r>
             <a:r>
               <a:rPr lang="en-US" dirty="0" err="1"/>
-              <a:t>dapat</a:t>
+              <a:t>sedang</a:t>
             </a:r>
             <a:r>
               <a:rPr lang="en-US" dirty="0"/>
@@ -3980,315 +4042,26 @@
             </a:r>
             <a:r>
               <a:rPr lang="en-US" dirty="0" err="1"/>
-              <a:t>membuat</a:t>
+              <a:t>membangun</a:t>
             </a:r>
             <a:r>
               <a:rPr lang="en-US" dirty="0"/>
-              <a:t> </a:t>
+              <a:t> industry digital </a:t>
             </a:r>
             <a:r>
               <a:rPr lang="en-US" dirty="0" err="1"/>
-              <a:t>akun</a:t>
+              <a:t>poin</a:t>
             </a:r>
             <a:r>
               <a:rPr lang="en-US" dirty="0"/>
-              <a:t> </a:t>
-            </a:r>
-            <a:r>
-              <a:rPr lang="en-US" dirty="0" err="1"/>
-              <a:t>sendiri</a:t>
-            </a:r>
-            <a:r>
-              <a:rPr lang="en-US" dirty="0"/>
-              <a:t>, </a:t>
-            </a:r>
-            <a:r>
-              <a:rPr lang="en-US" dirty="0" err="1"/>
-              <a:t>dimana</a:t>
-            </a:r>
-            <a:r>
-              <a:rPr lang="en-US" dirty="0"/>
-              <a:t> </a:t>
-            </a:r>
-            <a:r>
-              <a:rPr lang="en-US" dirty="0" err="1"/>
-              <a:t>akun</a:t>
-            </a:r>
-            <a:r>
-              <a:rPr lang="en-US" dirty="0"/>
-              <a:t> </a:t>
-            </a:r>
-            <a:r>
-              <a:rPr lang="en-US" dirty="0" err="1"/>
-              <a:t>tersebut</a:t>
-            </a:r>
-            <a:r>
-              <a:rPr lang="en-US" dirty="0"/>
-              <a:t> </a:t>
-            </a:r>
-            <a:r>
-              <a:rPr lang="en-US" dirty="0" err="1"/>
-              <a:t>menyimpan</a:t>
-            </a:r>
-            <a:r>
-              <a:rPr lang="en-US" dirty="0"/>
-              <a:t> </a:t>
-            </a:r>
-            <a:r>
-              <a:rPr lang="en-US" dirty="0" err="1"/>
-              <a:t>saldo</a:t>
-            </a:r>
-            <a:r>
-              <a:rPr lang="en-US" dirty="0"/>
-              <a:t> user, </a:t>
-            </a:r>
-            <a:r>
-              <a:rPr lang="en-US" dirty="0" err="1"/>
-              <a:t>serta</a:t>
-            </a:r>
-            <a:r>
-              <a:rPr lang="en-US" dirty="0"/>
-              <a:t> detail </a:t>
-            </a:r>
-            <a:r>
-              <a:rPr lang="en-US" dirty="0" err="1"/>
-              <a:t>sejarah</a:t>
-            </a:r>
-            <a:r>
-              <a:rPr lang="en-US" dirty="0"/>
-              <a:t>/</a:t>
-            </a:r>
-            <a:r>
-              <a:rPr lang="en-US" dirty="0" err="1"/>
-              <a:t>preferensi</a:t>
-            </a:r>
-            <a:r>
-              <a:rPr lang="en-US" dirty="0"/>
-              <a:t> </a:t>
-            </a:r>
-            <a:r>
-              <a:rPr lang="en-US" dirty="0" err="1"/>
-              <a:t>orderan</a:t>
-            </a:r>
-            <a:r>
-              <a:rPr lang="en-US" dirty="0"/>
-              <a:t> user. </a:t>
-            </a:r>
-            <a:r>
-              <a:rPr lang="en-US" dirty="0" err="1"/>
-              <a:t>Ketika</a:t>
-            </a:r>
-            <a:r>
-              <a:rPr lang="en-US" dirty="0"/>
-              <a:t> </a:t>
-            </a:r>
-            <a:r>
-              <a:rPr lang="en-US" dirty="0" err="1"/>
-              <a:t>memesan</a:t>
-            </a:r>
-            <a:r>
-              <a:rPr lang="en-US" dirty="0"/>
-              <a:t>, user </a:t>
-            </a:r>
-            <a:r>
-              <a:rPr lang="en-US" dirty="0" err="1"/>
-              <a:t>dapat</a:t>
-            </a:r>
-            <a:r>
-              <a:rPr lang="en-US" dirty="0"/>
-              <a:t> </a:t>
-            </a:r>
-            <a:r>
-              <a:rPr lang="en-US" dirty="0" err="1"/>
-              <a:t>menentukan</a:t>
-            </a:r>
-            <a:r>
-              <a:rPr lang="en-US" dirty="0"/>
-              <a:t> </a:t>
-            </a:r>
-            <a:r>
-              <a:rPr lang="en-US" dirty="0" err="1"/>
-              <a:t>darimana</a:t>
-            </a:r>
-            <a:r>
-              <a:rPr lang="en-US" dirty="0"/>
-              <a:t> </a:t>
-            </a:r>
-            <a:r>
-              <a:rPr lang="en-US" dirty="0" err="1"/>
-              <a:t>ingin</a:t>
-            </a:r>
-            <a:r>
-              <a:rPr lang="en-US" dirty="0"/>
-              <a:t> </a:t>
-            </a:r>
-            <a:r>
-              <a:rPr lang="en-US" dirty="0" err="1"/>
-              <a:t>memesan</a:t>
-            </a:r>
-            <a:r>
-              <a:rPr lang="en-US" dirty="0"/>
-              <a:t> </a:t>
-            </a:r>
-            <a:r>
-              <a:rPr lang="en-US" dirty="0" err="1"/>
-              <a:t>makanan</a:t>
-            </a:r>
-            <a:r>
-              <a:rPr lang="en-US" dirty="0"/>
-              <a:t> dan </a:t>
-            </a:r>
-            <a:r>
-              <a:rPr lang="en-US" dirty="0" err="1"/>
-              <a:t>alamat</a:t>
-            </a:r>
-            <a:r>
-              <a:rPr lang="en-US" dirty="0"/>
-              <a:t> delivery-</a:t>
-            </a:r>
-            <a:r>
-              <a:rPr lang="en-US" dirty="0" err="1"/>
-              <a:t>nya</a:t>
-            </a:r>
-            <a:r>
-              <a:rPr lang="en-US" dirty="0"/>
-              <a:t>. Di </a:t>
-            </a:r>
-            <a:r>
-              <a:rPr lang="en-US" dirty="0" err="1"/>
-              <a:t>akhir</a:t>
-            </a:r>
-            <a:r>
-              <a:rPr lang="en-US" dirty="0"/>
-              <a:t> program </a:t>
-            </a:r>
-            <a:r>
-              <a:rPr lang="en-US" dirty="0" err="1"/>
-              <a:t>terdapat</a:t>
-            </a:r>
-            <a:r>
-              <a:rPr lang="en-US" dirty="0"/>
-              <a:t> </a:t>
-            </a:r>
-            <a:r>
-              <a:rPr lang="en-US" dirty="0" err="1"/>
-              <a:t>struk</a:t>
-            </a:r>
-            <a:r>
-              <a:rPr lang="en-US" dirty="0"/>
-              <a:t> </a:t>
-            </a:r>
-            <a:r>
-              <a:rPr lang="en-US" dirty="0" err="1"/>
-              <a:t>pembayaran</a:t>
-            </a:r>
-            <a:r>
-              <a:rPr lang="en-US" dirty="0"/>
-              <a:t> </a:t>
-            </a:r>
-            <a:r>
-              <a:rPr lang="en-US" dirty="0" err="1"/>
-              <a:t>sebagai</a:t>
-            </a:r>
-            <a:r>
-              <a:rPr lang="en-US" dirty="0"/>
-              <a:t> </a:t>
-            </a:r>
-            <a:r>
-              <a:rPr lang="en-US" dirty="0" err="1"/>
-              <a:t>bukti</a:t>
-            </a:r>
-            <a:r>
-              <a:rPr lang="en-US" dirty="0"/>
-              <a:t> </a:t>
-            </a:r>
-            <a:r>
-              <a:rPr lang="en-US" dirty="0" err="1"/>
-              <a:t>pembayaran</a:t>
-            </a:r>
-            <a:r>
-              <a:rPr lang="en-US" dirty="0"/>
-              <a:t> dan </a:t>
-            </a:r>
-            <a:r>
-              <a:rPr lang="en-US" dirty="0" err="1"/>
-              <a:t>bukti</a:t>
-            </a:r>
-            <a:r>
-              <a:rPr lang="en-US" dirty="0"/>
-              <a:t> </a:t>
-            </a:r>
-            <a:r>
-              <a:rPr lang="en-US" dirty="0" err="1"/>
-              <a:t>pesanan</a:t>
-            </a:r>
-            <a:r>
-              <a:rPr lang="en-US" dirty="0"/>
-              <a:t> </a:t>
-            </a:r>
-            <a:r>
-              <a:rPr lang="en-US" dirty="0" err="1"/>
-              <a:t>telah</a:t>
-            </a:r>
-            <a:r>
-              <a:rPr lang="en-US" dirty="0"/>
-              <a:t> </a:t>
-            </a:r>
-            <a:r>
-              <a:rPr lang="en-US" dirty="0" err="1"/>
-              <a:t>sampai</a:t>
-            </a:r>
-            <a:r>
-              <a:rPr lang="en-US" dirty="0"/>
-              <a:t>.</a:t>
-            </a:r>
-          </a:p>
-          <a:p>
-            <a:pPr marL="0" indent="0">
-              <a:buNone/>
+              <a:t> 4.0.</a:t>
+            </a:r>
+          </a:p>
+          <a:p>
+            <a:pPr marL="514350" indent="-514350">
+              <a:buAutoNum type="arabicPeriod"/>
             </a:pPr>
             <a:endParaRPr lang="en-US" dirty="0"/>
-          </a:p>
-          <a:p>
-            <a:endParaRPr lang="en-US" dirty="0"/>
-          </a:p>
-          <a:p>
-            <a:pPr marL="0" indent="0">
-              <a:buNone/>
-            </a:pPr>
-            <a:r>
-              <a:rPr lang="en-US" dirty="0"/>
-              <a:t>Lecturer's comment:	</a:t>
-            </a:r>
-          </a:p>
-          <a:p>
-            <a:pPr marL="0" indent="0">
-              <a:buNone/>
-            </a:pPr>
-            <a:r>
-              <a:rPr lang="en-US" dirty="0" err="1"/>
-              <a:t>Topik</a:t>
-            </a:r>
-            <a:r>
-              <a:rPr lang="en-US" dirty="0"/>
-              <a:t> Ok, </a:t>
-            </a:r>
-            <a:r>
-              <a:rPr lang="en-US" dirty="0" err="1"/>
-              <a:t>silakan</a:t>
-            </a:r>
-            <a:r>
-              <a:rPr lang="en-US" dirty="0"/>
-              <a:t> </a:t>
-            </a:r>
-            <a:r>
-              <a:rPr lang="en-US" dirty="0" err="1"/>
-              <a:t>dilanjutkan</a:t>
-            </a:r>
-            <a:r>
-              <a:rPr lang="en-US" dirty="0"/>
-              <a:t>.</a:t>
-            </a:r>
           </a:p>
         </p:txBody>
       </p:sp>
@@ -4306,6 +4079,449 @@
 </file>
 
 <file path=ppt/slides/slide3.xml><?xml version="1.0" encoding="utf-8"?>
+<p:sld xmlns:a="http://schemas.openxmlformats.org/drawingml/2006/main" xmlns:r="http://schemas.openxmlformats.org/officeDocument/2006/relationships" xmlns:p="http://schemas.openxmlformats.org/presentationml/2006/main">
+  <p:cSld>
+    <p:bg>
+      <p:bgPr shadeToTitle="1">
+        <a:gradFill flip="none" rotWithShape="1">
+          <a:gsLst>
+            <a:gs pos="0">
+              <a:schemeClr val="bg1"/>
+            </a:gs>
+            <a:gs pos="96000">
+              <a:schemeClr val="accent6">
+                <a:lumMod val="45000"/>
+                <a:lumOff val="55000"/>
+              </a:schemeClr>
+            </a:gs>
+            <a:gs pos="100000">
+              <a:schemeClr val="accent6">
+                <a:lumMod val="30000"/>
+                <a:lumOff val="70000"/>
+              </a:schemeClr>
+            </a:gs>
+          </a:gsLst>
+          <a:lin ang="5400000" scaled="1"/>
+          <a:tileRect/>
+        </a:gradFill>
+        <a:effectLst/>
+      </p:bgPr>
+    </p:bg>
+    <p:spTree>
+      <p:nvGrpSpPr>
+        <p:cNvPr id="1" name=""/>
+        <p:cNvGrpSpPr/>
+        <p:nvPr/>
+      </p:nvGrpSpPr>
+      <p:grpSpPr>
+        <a:xfrm>
+          <a:off x="0" y="0"/>
+          <a:ext cx="0" cy="0"/>
+          <a:chOff x="0" y="0"/>
+          <a:chExt cx="0" cy="0"/>
+        </a:xfrm>
+      </p:grpSpPr>
+      <p:sp>
+        <p:nvSpPr>
+          <p:cNvPr id="2" name="Title 1">
+            <a:extLst>
+              <a:ext uri="{FF2B5EF4-FFF2-40B4-BE49-F238E27FC236}">
+                <a16:creationId xmlns:a16="http://schemas.microsoft.com/office/drawing/2014/main" id="{4517C26C-57DA-4AEF-80F6-80351331806D}"/>
+              </a:ext>
+            </a:extLst>
+          </p:cNvPr>
+          <p:cNvSpPr>
+            <a:spLocks noGrp="1"/>
+          </p:cNvSpPr>
+          <p:nvPr>
+            <p:ph type="title"/>
+          </p:nvPr>
+        </p:nvSpPr>
+        <p:spPr/>
+        <p:txBody>
+          <a:bodyPr/>
+          <a:lstStyle/>
+          <a:p>
+            <a:r>
+              <a:rPr lang="en-US" dirty="0" err="1"/>
+              <a:t>Tujuan</a:t>
+            </a:r>
+            <a:endParaRPr lang="en-US" dirty="0"/>
+          </a:p>
+        </p:txBody>
+      </p:sp>
+      <p:sp>
+        <p:nvSpPr>
+          <p:cNvPr id="3" name="Content Placeholder 2">
+            <a:extLst>
+              <a:ext uri="{FF2B5EF4-FFF2-40B4-BE49-F238E27FC236}">
+                <a16:creationId xmlns:a16="http://schemas.microsoft.com/office/drawing/2014/main" id="{6AD382C9-19F1-4EB9-9E5A-4D8693126C85}"/>
+              </a:ext>
+            </a:extLst>
+          </p:cNvPr>
+          <p:cNvSpPr>
+            <a:spLocks noGrp="1"/>
+          </p:cNvSpPr>
+          <p:nvPr>
+            <p:ph idx="1"/>
+          </p:nvPr>
+        </p:nvSpPr>
+        <p:spPr/>
+        <p:txBody>
+          <a:bodyPr>
+            <a:normAutofit/>
+          </a:bodyPr>
+          <a:lstStyle/>
+          <a:p>
+            <a:pPr marL="514350" indent="-514350">
+              <a:buAutoNum type="arabicPeriod"/>
+            </a:pPr>
+            <a:r>
+              <a:rPr lang="en-US" dirty="0" err="1"/>
+              <a:t>Meningkatkan</a:t>
+            </a:r>
+            <a:r>
+              <a:rPr lang="en-US" dirty="0"/>
+              <a:t> </a:t>
+            </a:r>
+            <a:r>
+              <a:rPr lang="en-US" dirty="0" err="1"/>
+              <a:t>usaha</a:t>
+            </a:r>
+            <a:r>
+              <a:rPr lang="en-US" dirty="0"/>
+              <a:t> tata </a:t>
+            </a:r>
+            <a:r>
+              <a:rPr lang="en-US" dirty="0" err="1"/>
+              <a:t>boga</a:t>
+            </a:r>
+            <a:r>
+              <a:rPr lang="en-US" dirty="0"/>
+              <a:t>/</a:t>
+            </a:r>
+            <a:r>
+              <a:rPr lang="en-US" dirty="0" err="1"/>
+              <a:t>kuliner</a:t>
+            </a:r>
+            <a:r>
+              <a:rPr lang="en-US" dirty="0"/>
+              <a:t> di Indonesia.</a:t>
+            </a:r>
+          </a:p>
+          <a:p>
+            <a:pPr marL="514350" indent="-514350">
+              <a:buAutoNum type="arabicPeriod"/>
+            </a:pPr>
+            <a:r>
+              <a:rPr lang="en-US" dirty="0" err="1"/>
+              <a:t>Memperkenalkan</a:t>
+            </a:r>
+            <a:r>
+              <a:rPr lang="en-US" dirty="0"/>
+              <a:t> </a:t>
+            </a:r>
+            <a:r>
+              <a:rPr lang="en-US" dirty="0" err="1"/>
+              <a:t>masakan</a:t>
+            </a:r>
+            <a:r>
+              <a:rPr lang="en-US" dirty="0"/>
+              <a:t> </a:t>
+            </a:r>
+            <a:r>
+              <a:rPr lang="en-US" dirty="0" err="1"/>
+              <a:t>asal</a:t>
+            </a:r>
+            <a:r>
+              <a:rPr lang="en-US" dirty="0"/>
+              <a:t> </a:t>
+            </a:r>
+            <a:r>
+              <a:rPr lang="en-US" dirty="0" err="1"/>
+              <a:t>daerah</a:t>
+            </a:r>
+            <a:r>
+              <a:rPr lang="en-US" dirty="0"/>
+              <a:t> di Indonesia.</a:t>
+            </a:r>
+          </a:p>
+          <a:p>
+            <a:pPr marL="514350" indent="-514350">
+              <a:buAutoNum type="arabicPeriod"/>
+            </a:pPr>
+            <a:r>
+              <a:rPr lang="en-US" dirty="0" err="1"/>
+              <a:t>Menciptakan</a:t>
+            </a:r>
+            <a:r>
+              <a:rPr lang="en-US" dirty="0"/>
+              <a:t> </a:t>
+            </a:r>
+            <a:r>
+              <a:rPr lang="en-US" dirty="0" err="1"/>
+              <a:t>daya</a:t>
+            </a:r>
+            <a:r>
+              <a:rPr lang="en-US" dirty="0"/>
+              <a:t> </a:t>
+            </a:r>
+            <a:r>
+              <a:rPr lang="en-US" dirty="0" err="1"/>
+              <a:t>saing</a:t>
+            </a:r>
+            <a:r>
+              <a:rPr lang="en-US" dirty="0"/>
+              <a:t> </a:t>
+            </a:r>
+            <a:r>
+              <a:rPr lang="en-US" dirty="0" err="1"/>
+              <a:t>dengan</a:t>
+            </a:r>
+            <a:r>
+              <a:rPr lang="en-US" dirty="0"/>
+              <a:t> </a:t>
+            </a:r>
+            <a:r>
+              <a:rPr lang="en-US" dirty="0" err="1"/>
+              <a:t>masakan</a:t>
+            </a:r>
+            <a:r>
+              <a:rPr lang="en-US" dirty="0"/>
+              <a:t> </a:t>
+            </a:r>
+            <a:r>
+              <a:rPr lang="en-US" dirty="0" err="1"/>
+              <a:t>mancanegara</a:t>
+            </a:r>
+            <a:r>
+              <a:rPr lang="en-US" dirty="0"/>
+              <a:t>.</a:t>
+            </a:r>
+          </a:p>
+          <a:p>
+            <a:pPr marL="514350" indent="-514350">
+              <a:buAutoNum type="arabicPeriod"/>
+            </a:pPr>
+            <a:r>
+              <a:rPr lang="en-US" dirty="0" err="1"/>
+              <a:t>Menjadi</a:t>
+            </a:r>
+            <a:r>
+              <a:rPr lang="en-US" dirty="0"/>
+              <a:t> </a:t>
+            </a:r>
+            <a:r>
+              <a:rPr lang="en-US" dirty="0" err="1"/>
+              <a:t>perantara</a:t>
+            </a:r>
+            <a:r>
+              <a:rPr lang="en-US" dirty="0"/>
+              <a:t> </a:t>
+            </a:r>
+            <a:r>
+              <a:rPr lang="en-US" dirty="0" err="1"/>
+              <a:t>antara</a:t>
+            </a:r>
+            <a:r>
+              <a:rPr lang="en-US" dirty="0"/>
+              <a:t> </a:t>
+            </a:r>
+            <a:r>
+              <a:rPr lang="en-US" dirty="0" err="1"/>
+              <a:t>produsen</a:t>
+            </a:r>
+            <a:r>
+              <a:rPr lang="en-US" dirty="0"/>
+              <a:t> </a:t>
+            </a:r>
+            <a:r>
+              <a:rPr lang="en-US" dirty="0" err="1"/>
+              <a:t>dengan</a:t>
+            </a:r>
+            <a:r>
+              <a:rPr lang="en-US" dirty="0"/>
+              <a:t> </a:t>
+            </a:r>
+            <a:r>
+              <a:rPr lang="en-US" dirty="0" err="1"/>
+              <a:t>konsumen</a:t>
+            </a:r>
+            <a:r>
+              <a:rPr lang="en-US" dirty="0"/>
+              <a:t>.</a:t>
+            </a:r>
+          </a:p>
+          <a:p>
+            <a:pPr marL="514350" indent="-514350">
+              <a:buAutoNum type="arabicPeriod"/>
+            </a:pPr>
+            <a:endParaRPr lang="en-US" dirty="0"/>
+          </a:p>
+          <a:p>
+            <a:pPr marL="514350" indent="-514350">
+              <a:buAutoNum type="arabicPeriod"/>
+            </a:pPr>
+            <a:endParaRPr lang="en-US" dirty="0"/>
+          </a:p>
+        </p:txBody>
+      </p:sp>
+    </p:spTree>
+    <p:extLst>
+      <p:ext uri="{BB962C8B-B14F-4D97-AF65-F5344CB8AC3E}">
+        <p14:creationId xmlns:p14="http://schemas.microsoft.com/office/powerpoint/2010/main" val="2323035009"/>
+      </p:ext>
+    </p:extLst>
+  </p:cSld>
+  <p:clrMapOvr>
+    <a:masterClrMapping/>
+  </p:clrMapOvr>
+</p:sld>
+</file>
+
+<file path=ppt/slides/slide4.xml><?xml version="1.0" encoding="utf-8"?>
+<p:sld xmlns:a="http://schemas.openxmlformats.org/drawingml/2006/main" xmlns:r="http://schemas.openxmlformats.org/officeDocument/2006/relationships" xmlns:p="http://schemas.openxmlformats.org/presentationml/2006/main">
+  <p:cSld>
+    <p:bg>
+      <p:bgPr shadeToTitle="1">
+        <a:gradFill flip="none" rotWithShape="1">
+          <a:gsLst>
+            <a:gs pos="0">
+              <a:schemeClr val="bg1"/>
+            </a:gs>
+            <a:gs pos="96000">
+              <a:schemeClr val="accent6">
+                <a:lumMod val="45000"/>
+                <a:lumOff val="55000"/>
+              </a:schemeClr>
+            </a:gs>
+            <a:gs pos="100000">
+              <a:schemeClr val="accent6">
+                <a:lumMod val="30000"/>
+                <a:lumOff val="70000"/>
+              </a:schemeClr>
+            </a:gs>
+          </a:gsLst>
+          <a:lin ang="5400000" scaled="1"/>
+          <a:tileRect/>
+        </a:gradFill>
+        <a:effectLst/>
+      </p:bgPr>
+    </p:bg>
+    <p:spTree>
+      <p:nvGrpSpPr>
+        <p:cNvPr id="1" name=""/>
+        <p:cNvGrpSpPr/>
+        <p:nvPr/>
+      </p:nvGrpSpPr>
+      <p:grpSpPr>
+        <a:xfrm>
+          <a:off x="0" y="0"/>
+          <a:ext cx="0" cy="0"/>
+          <a:chOff x="0" y="0"/>
+          <a:chExt cx="0" cy="0"/>
+        </a:xfrm>
+      </p:grpSpPr>
+      <p:sp>
+        <p:nvSpPr>
+          <p:cNvPr id="2" name="Title 1">
+            <a:extLst>
+              <a:ext uri="{FF2B5EF4-FFF2-40B4-BE49-F238E27FC236}">
+                <a16:creationId xmlns:a16="http://schemas.microsoft.com/office/drawing/2014/main" id="{4517C26C-57DA-4AEF-80F6-80351331806D}"/>
+              </a:ext>
+            </a:extLst>
+          </p:cNvPr>
+          <p:cNvSpPr>
+            <a:spLocks noGrp="1"/>
+          </p:cNvSpPr>
+          <p:nvPr>
+            <p:ph type="title"/>
+          </p:nvPr>
+        </p:nvSpPr>
+        <p:spPr/>
+        <p:txBody>
+          <a:bodyPr/>
+          <a:lstStyle/>
+          <a:p>
+            <a:r>
+              <a:rPr lang="en-US" dirty="0" err="1"/>
+              <a:t>Latar</a:t>
+            </a:r>
+            <a:r>
+              <a:rPr lang="en-US" dirty="0"/>
+              <a:t> </a:t>
+            </a:r>
+            <a:r>
+              <a:rPr lang="en-US" dirty="0" err="1"/>
+              <a:t>Belakang</a:t>
+            </a:r>
+            <a:r>
+              <a:rPr lang="en-US" dirty="0"/>
+              <a:t> dan </a:t>
+            </a:r>
+            <a:r>
+              <a:rPr lang="en-US" dirty="0" err="1"/>
+              <a:t>Tujuan</a:t>
+            </a:r>
+            <a:endParaRPr lang="en-US" dirty="0"/>
+          </a:p>
+        </p:txBody>
+      </p:sp>
+      <p:sp>
+        <p:nvSpPr>
+          <p:cNvPr id="3" name="Content Placeholder 2">
+            <a:extLst>
+              <a:ext uri="{FF2B5EF4-FFF2-40B4-BE49-F238E27FC236}">
+                <a16:creationId xmlns:a16="http://schemas.microsoft.com/office/drawing/2014/main" id="{6AD382C9-19F1-4EB9-9E5A-4D8693126C85}"/>
+              </a:ext>
+            </a:extLst>
+          </p:cNvPr>
+          <p:cNvSpPr>
+            <a:spLocks noGrp="1"/>
+          </p:cNvSpPr>
+          <p:nvPr>
+            <p:ph idx="1"/>
+          </p:nvPr>
+        </p:nvSpPr>
+        <p:spPr/>
+        <p:txBody>
+          <a:bodyPr>
+            <a:normAutofit/>
+          </a:bodyPr>
+          <a:lstStyle/>
+          <a:p>
+            <a:pPr marL="0" indent="0">
+              <a:buNone/>
+            </a:pPr>
+            <a:r>
+              <a:rPr lang="en-US" dirty="0"/>
+              <a:t>1. </a:t>
+            </a:r>
+            <a:r>
+              <a:rPr lang="en-US" dirty="0" err="1"/>
+              <a:t>Perekonomian</a:t>
+            </a:r>
+            <a:r>
+              <a:rPr lang="en-US" dirty="0"/>
+              <a:t> Indonesia </a:t>
+            </a:r>
+          </a:p>
+        </p:txBody>
+      </p:sp>
+    </p:spTree>
+    <p:extLst>
+      <p:ext uri="{BB962C8B-B14F-4D97-AF65-F5344CB8AC3E}">
+        <p14:creationId xmlns:p14="http://schemas.microsoft.com/office/powerpoint/2010/main" val="2423402174"/>
+      </p:ext>
+    </p:extLst>
+  </p:cSld>
+  <p:clrMapOvr>
+    <a:masterClrMapping/>
+  </p:clrMapOvr>
+</p:sld>
+</file>
+
+<file path=ppt/slides/slide5.xml><?xml version="1.0" encoding="utf-8"?>
 <p:sld xmlns:a="http://schemas.openxmlformats.org/drawingml/2006/main" xmlns:r="http://schemas.openxmlformats.org/officeDocument/2006/relationships" xmlns:p="http://schemas.openxmlformats.org/presentationml/2006/main">
   <p:cSld>
     <p:bg>
@@ -4420,9 +4636,10 @@
           <a:p>
             <a:pPr algn="ctr"/>
             <a:r>
-              <a:rPr lang="en-US"/>
-              <a:t>algoritma</a:t>
-            </a:r>
+              <a:rPr lang="en-US" dirty="0" err="1"/>
+              <a:t>Algoritma</a:t>
+            </a:r>
+            <a:endParaRPr lang="en-US" dirty="0"/>
           </a:p>
         </p:txBody>
       </p:sp>
@@ -4471,7 +4688,7 @@
 </p:sld>
 </file>
 
-<file path=ppt/slides/slide4.xml><?xml version="1.0" encoding="utf-8"?>
+<file path=ppt/slides/slide6.xml><?xml version="1.0" encoding="utf-8"?>
 <p:sld xmlns:a="http://schemas.openxmlformats.org/drawingml/2006/main" xmlns:r="http://schemas.openxmlformats.org/officeDocument/2006/relationships" xmlns:p="http://schemas.openxmlformats.org/presentationml/2006/main">
   <p:cSld>
     <p:bg>
@@ -4638,190 +4855,6 @@
 </p:sld>
 </file>
 
-<file path=ppt/slides/slide5.xml><?xml version="1.0" encoding="utf-8"?>
-<p:sld xmlns:a="http://schemas.openxmlformats.org/drawingml/2006/main" xmlns:r="http://schemas.openxmlformats.org/officeDocument/2006/relationships" xmlns:p="http://schemas.openxmlformats.org/presentationml/2006/main">
-  <p:cSld>
-    <p:spTree>
-      <p:nvGrpSpPr>
-        <p:cNvPr id="1" name=""/>
-        <p:cNvGrpSpPr/>
-        <p:nvPr/>
-      </p:nvGrpSpPr>
-      <p:grpSpPr>
-        <a:xfrm>
-          <a:off x="0" y="0"/>
-          <a:ext cx="0" cy="0"/>
-          <a:chOff x="0" y="0"/>
-          <a:chExt cx="0" cy="0"/>
-        </a:xfrm>
-      </p:grpSpPr>
-      <p:sp>
-        <p:nvSpPr>
-          <p:cNvPr id="2" name="Title 1">
-            <a:extLst>
-              <a:ext uri="{FF2B5EF4-FFF2-40B4-BE49-F238E27FC236}">
-                <a16:creationId xmlns:a16="http://schemas.microsoft.com/office/drawing/2014/main" id="{B94AA143-CD61-40C4-BF92-C147710178AE}"/>
-              </a:ext>
-            </a:extLst>
-          </p:cNvPr>
-          <p:cNvSpPr>
-            <a:spLocks noGrp="1"/>
-          </p:cNvSpPr>
-          <p:nvPr>
-            <p:ph type="title"/>
-          </p:nvPr>
-        </p:nvSpPr>
-        <p:spPr/>
-        <p:txBody>
-          <a:bodyPr/>
-          <a:lstStyle/>
-          <a:p>
-            <a:r>
-              <a:rPr lang="en-US" dirty="0" err="1"/>
-              <a:t>Contoh</a:t>
-            </a:r>
-            <a:r>
-              <a:rPr lang="en-US" dirty="0"/>
-              <a:t> program </a:t>
-            </a:r>
-            <a:r>
-              <a:rPr lang="en-US" dirty="0" err="1"/>
-              <a:t>dijalankan</a:t>
-            </a:r>
-            <a:endParaRPr lang="en-US" dirty="0"/>
-          </a:p>
-        </p:txBody>
-      </p:sp>
-      <p:sp>
-        <p:nvSpPr>
-          <p:cNvPr id="3" name="Content Placeholder 2">
-            <a:extLst>
-              <a:ext uri="{FF2B5EF4-FFF2-40B4-BE49-F238E27FC236}">
-                <a16:creationId xmlns:a16="http://schemas.microsoft.com/office/drawing/2014/main" id="{749F188F-BED2-4AB6-9B58-A5A8BD75AB3B}"/>
-              </a:ext>
-            </a:extLst>
-          </p:cNvPr>
-          <p:cNvSpPr>
-            <a:spLocks noGrp="1"/>
-          </p:cNvSpPr>
-          <p:nvPr>
-            <p:ph idx="1"/>
-          </p:nvPr>
-        </p:nvSpPr>
-        <p:spPr/>
-        <p:txBody>
-          <a:bodyPr/>
-          <a:lstStyle/>
-          <a:p>
-            <a:endParaRPr lang="en-US"/>
-          </a:p>
-        </p:txBody>
-      </p:sp>
-    </p:spTree>
-    <p:extLst>
-      <p:ext uri="{BB962C8B-B14F-4D97-AF65-F5344CB8AC3E}">
-        <p14:creationId xmlns:p14="http://schemas.microsoft.com/office/powerpoint/2010/main" val="521788430"/>
-      </p:ext>
-    </p:extLst>
-  </p:cSld>
-  <p:clrMapOvr>
-    <a:masterClrMapping/>
-  </p:clrMapOvr>
-</p:sld>
-</file>
-
-<file path=ppt/slides/slide6.xml><?xml version="1.0" encoding="utf-8"?>
-<p:sld xmlns:a="http://schemas.openxmlformats.org/drawingml/2006/main" xmlns:r="http://schemas.openxmlformats.org/officeDocument/2006/relationships" xmlns:p="http://schemas.openxmlformats.org/presentationml/2006/main">
-  <p:cSld>
-    <p:spTree>
-      <p:nvGrpSpPr>
-        <p:cNvPr id="1" name=""/>
-        <p:cNvGrpSpPr/>
-        <p:nvPr/>
-      </p:nvGrpSpPr>
-      <p:grpSpPr>
-        <a:xfrm>
-          <a:off x="0" y="0"/>
-          <a:ext cx="0" cy="0"/>
-          <a:chOff x="0" y="0"/>
-          <a:chExt cx="0" cy="0"/>
-        </a:xfrm>
-      </p:grpSpPr>
-      <p:sp>
-        <p:nvSpPr>
-          <p:cNvPr id="2" name="Title 1">
-            <a:extLst>
-              <a:ext uri="{FF2B5EF4-FFF2-40B4-BE49-F238E27FC236}">
-                <a16:creationId xmlns:a16="http://schemas.microsoft.com/office/drawing/2014/main" id="{1370304A-C97F-449A-BFED-A6C5F35EC960}"/>
-              </a:ext>
-            </a:extLst>
-          </p:cNvPr>
-          <p:cNvSpPr>
-            <a:spLocks noGrp="1"/>
-          </p:cNvSpPr>
-          <p:nvPr>
-            <p:ph type="title"/>
-          </p:nvPr>
-        </p:nvSpPr>
-        <p:spPr/>
-        <p:txBody>
-          <a:bodyPr/>
-          <a:lstStyle/>
-          <a:p>
-            <a:r>
-              <a:rPr lang="en-US" dirty="0" err="1"/>
-              <a:t>Contoh</a:t>
-            </a:r>
-            <a:r>
-              <a:rPr lang="en-US" dirty="0"/>
-              <a:t> program </a:t>
-            </a:r>
-            <a:r>
-              <a:rPr lang="en-US" dirty="0" err="1"/>
-              <a:t>dijalankan</a:t>
-            </a:r>
-            <a:endParaRPr lang="en-US" dirty="0"/>
-          </a:p>
-        </p:txBody>
-      </p:sp>
-      <p:sp>
-        <p:nvSpPr>
-          <p:cNvPr id="3" name="Content Placeholder 2">
-            <a:extLst>
-              <a:ext uri="{FF2B5EF4-FFF2-40B4-BE49-F238E27FC236}">
-                <a16:creationId xmlns:a16="http://schemas.microsoft.com/office/drawing/2014/main" id="{D0C287C0-77ED-454E-A78F-F7B8A83EB5AF}"/>
-              </a:ext>
-            </a:extLst>
-          </p:cNvPr>
-          <p:cNvSpPr>
-            <a:spLocks noGrp="1"/>
-          </p:cNvSpPr>
-          <p:nvPr>
-            <p:ph idx="1"/>
-          </p:nvPr>
-        </p:nvSpPr>
-        <p:spPr/>
-        <p:txBody>
-          <a:bodyPr/>
-          <a:lstStyle/>
-          <a:p>
-            <a:endParaRPr lang="en-US"/>
-          </a:p>
-        </p:txBody>
-      </p:sp>
-    </p:spTree>
-    <p:extLst>
-      <p:ext uri="{BB962C8B-B14F-4D97-AF65-F5344CB8AC3E}">
-        <p14:creationId xmlns:p14="http://schemas.microsoft.com/office/powerpoint/2010/main" val="2284322303"/>
-      </p:ext>
-    </p:extLst>
-  </p:cSld>
-  <p:clrMapOvr>
-    <a:masterClrMapping/>
-  </p:clrMapOvr>
-</p:sld>
-</file>
-
 <file path=ppt/slides/slide7.xml><?xml version="1.0" encoding="utf-8"?>
 <p:sld xmlns:a="http://schemas.openxmlformats.org/drawingml/2006/main" xmlns:r="http://schemas.openxmlformats.org/officeDocument/2006/relationships" xmlns:p="http://schemas.openxmlformats.org/presentationml/2006/main">
   <p:cSld>
@@ -4844,7 +4877,7 @@
           <p:cNvPr id="2" name="Title 1">
             <a:extLst>
               <a:ext uri="{FF2B5EF4-FFF2-40B4-BE49-F238E27FC236}">
-                <a16:creationId xmlns:a16="http://schemas.microsoft.com/office/drawing/2014/main" id="{D14482D8-C5D2-46C7-B9F9-03C048FA2E97}"/>
+                <a16:creationId xmlns:a16="http://schemas.microsoft.com/office/drawing/2014/main" id="{B94AA143-CD61-40C4-BF92-C147710178AE}"/>
               </a:ext>
             </a:extLst>
           </p:cNvPr>
@@ -4862,7 +4895,15 @@
           <a:p>
             <a:r>
               <a:rPr lang="en-US" dirty="0" err="1"/>
-              <a:t>Penutup</a:t>
+              <a:t>Contoh</a:t>
+            </a:r>
+            <a:r>
+              <a:rPr lang="en-US" dirty="0"/>
+              <a:t> program </a:t>
+            </a:r>
+            <a:r>
+              <a:rPr lang="en-US" dirty="0" err="1"/>
+              <a:t>dijalankan</a:t>
             </a:r>
             <a:endParaRPr lang="en-US" dirty="0"/>
           </a:p>
@@ -4873,7 +4914,7 @@
           <p:cNvPr id="3" name="Content Placeholder 2">
             <a:extLst>
               <a:ext uri="{FF2B5EF4-FFF2-40B4-BE49-F238E27FC236}">
-                <a16:creationId xmlns:a16="http://schemas.microsoft.com/office/drawing/2014/main" id="{1AFE0FA9-37F7-4B32-9656-E0E1FB1921BA}"/>
+                <a16:creationId xmlns:a16="http://schemas.microsoft.com/office/drawing/2014/main" id="{749F188F-BED2-4AB6-9B58-A5A8BD75AB3B}"/>
               </a:ext>
             </a:extLst>
           </p:cNvPr>
@@ -4889,6 +4930,461 @@
           <a:bodyPr/>
           <a:lstStyle/>
           <a:p>
+            <a:endParaRPr lang="en-US"/>
+          </a:p>
+        </p:txBody>
+      </p:sp>
+    </p:spTree>
+    <p:extLst>
+      <p:ext uri="{BB962C8B-B14F-4D97-AF65-F5344CB8AC3E}">
+        <p14:creationId xmlns:p14="http://schemas.microsoft.com/office/powerpoint/2010/main" val="521788430"/>
+      </p:ext>
+    </p:extLst>
+  </p:cSld>
+  <p:clrMapOvr>
+    <a:masterClrMapping/>
+  </p:clrMapOvr>
+</p:sld>
+</file>
+
+<file path=ppt/slides/slide8.xml><?xml version="1.0" encoding="utf-8"?>
+<p:sld xmlns:a="http://schemas.openxmlformats.org/drawingml/2006/main" xmlns:r="http://schemas.openxmlformats.org/officeDocument/2006/relationships" xmlns:p="http://schemas.openxmlformats.org/presentationml/2006/main">
+  <p:cSld>
+    <p:spTree>
+      <p:nvGrpSpPr>
+        <p:cNvPr id="1" name=""/>
+        <p:cNvGrpSpPr/>
+        <p:nvPr/>
+      </p:nvGrpSpPr>
+      <p:grpSpPr>
+        <a:xfrm>
+          <a:off x="0" y="0"/>
+          <a:ext cx="0" cy="0"/>
+          <a:chOff x="0" y="0"/>
+          <a:chExt cx="0" cy="0"/>
+        </a:xfrm>
+      </p:grpSpPr>
+      <p:sp>
+        <p:nvSpPr>
+          <p:cNvPr id="2" name="Title 1">
+            <a:extLst>
+              <a:ext uri="{FF2B5EF4-FFF2-40B4-BE49-F238E27FC236}">
+                <a16:creationId xmlns:a16="http://schemas.microsoft.com/office/drawing/2014/main" id="{1370304A-C97F-449A-BFED-A6C5F35EC960}"/>
+              </a:ext>
+            </a:extLst>
+          </p:cNvPr>
+          <p:cNvSpPr>
+            <a:spLocks noGrp="1"/>
+          </p:cNvSpPr>
+          <p:nvPr>
+            <p:ph type="title"/>
+          </p:nvPr>
+        </p:nvSpPr>
+        <p:spPr/>
+        <p:txBody>
+          <a:bodyPr/>
+          <a:lstStyle/>
+          <a:p>
+            <a:r>
+              <a:rPr lang="en-US" dirty="0" err="1"/>
+              <a:t>Contoh</a:t>
+            </a:r>
+            <a:r>
+              <a:rPr lang="en-US" dirty="0"/>
+              <a:t> program </a:t>
+            </a:r>
+            <a:r>
+              <a:rPr lang="en-US" dirty="0" err="1"/>
+              <a:t>dijalankan</a:t>
+            </a:r>
+            <a:endParaRPr lang="en-US" dirty="0"/>
+          </a:p>
+        </p:txBody>
+      </p:sp>
+      <p:sp>
+        <p:nvSpPr>
+          <p:cNvPr id="3" name="Content Placeholder 2">
+            <a:extLst>
+              <a:ext uri="{FF2B5EF4-FFF2-40B4-BE49-F238E27FC236}">
+                <a16:creationId xmlns:a16="http://schemas.microsoft.com/office/drawing/2014/main" id="{D0C287C0-77ED-454E-A78F-F7B8A83EB5AF}"/>
+              </a:ext>
+            </a:extLst>
+          </p:cNvPr>
+          <p:cNvSpPr>
+            <a:spLocks noGrp="1"/>
+          </p:cNvSpPr>
+          <p:nvPr>
+            <p:ph idx="1"/>
+          </p:nvPr>
+        </p:nvSpPr>
+        <p:spPr/>
+        <p:txBody>
+          <a:bodyPr/>
+          <a:lstStyle/>
+          <a:p>
+            <a:endParaRPr lang="en-US"/>
+          </a:p>
+        </p:txBody>
+      </p:sp>
+    </p:spTree>
+    <p:extLst>
+      <p:ext uri="{BB962C8B-B14F-4D97-AF65-F5344CB8AC3E}">
+        <p14:creationId xmlns:p14="http://schemas.microsoft.com/office/powerpoint/2010/main" val="2284322303"/>
+      </p:ext>
+    </p:extLst>
+  </p:cSld>
+  <p:clrMapOvr>
+    <a:masterClrMapping/>
+  </p:clrMapOvr>
+</p:sld>
+</file>
+
+<file path=ppt/slides/slide9.xml><?xml version="1.0" encoding="utf-8"?>
+<p:sld xmlns:a="http://schemas.openxmlformats.org/drawingml/2006/main" xmlns:r="http://schemas.openxmlformats.org/officeDocument/2006/relationships" xmlns:p="http://schemas.openxmlformats.org/presentationml/2006/main">
+  <p:cSld>
+    <p:bg>
+      <p:bgPr>
+        <a:solidFill>
+          <a:schemeClr val="bg1"/>
+        </a:solidFill>
+        <a:effectLst/>
+      </p:bgPr>
+    </p:bg>
+    <p:spTree>
+      <p:nvGrpSpPr>
+        <p:cNvPr id="1" name=""/>
+        <p:cNvGrpSpPr/>
+        <p:nvPr/>
+      </p:nvGrpSpPr>
+      <p:grpSpPr>
+        <a:xfrm>
+          <a:off x="0" y="0"/>
+          <a:ext cx="0" cy="0"/>
+          <a:chOff x="0" y="0"/>
+          <a:chExt cx="0" cy="0"/>
+        </a:xfrm>
+      </p:grpSpPr>
+      <p:sp useBgFill="1">
+        <p:nvSpPr>
+          <p:cNvPr id="20" name="Rectangle 19">
+            <a:extLst>
+              <a:ext uri="{FF2B5EF4-FFF2-40B4-BE49-F238E27FC236}">
+                <a16:creationId xmlns:a16="http://schemas.microsoft.com/office/drawing/2014/main" id="{E45B1D5C-0827-4AF0-8186-11FC5A8B8B92}"/>
+              </a:ext>
+              <a:ext uri="{C183D7F6-B498-43B3-948B-1728B52AA6E4}">
+                <adec:decorative xmlns:adec="http://schemas.microsoft.com/office/drawing/2017/decorative" val="1"/>
+              </a:ext>
+            </a:extLst>
+          </p:cNvPr>
+          <p:cNvSpPr>
+            <a:spLocks noGrp="1" noRot="1" noChangeAspect="1" noMove="1" noResize="1" noEditPoints="1" noAdjustHandles="1" noChangeArrowheads="1" noChangeShapeType="1" noTextEdit="1"/>
+          </p:cNvSpPr>
+          <p:nvPr>
+            <p:extLst>
+              <p:ext uri="{386F3935-93C4-4BCD-93E2-E3B085C9AB24}">
+                <p16:designElem xmlns:p16="http://schemas.microsoft.com/office/powerpoint/2015/main" val="1"/>
+              </p:ext>
+            </p:extLst>
+          </p:nvPr>
+        </p:nvSpPr>
+        <p:spPr>
+          <a:xfrm>
+            <a:off x="0" y="0"/>
+            <a:ext cx="12191999" cy="6857365"/>
+          </a:xfrm>
+          <a:prstGeom prst="rect">
+            <a:avLst/>
+          </a:prstGeom>
+          <a:ln>
+            <a:noFill/>
+          </a:ln>
+        </p:spPr>
+        <p:style>
+          <a:lnRef idx="2">
+            <a:schemeClr val="accent1">
+              <a:shade val="50000"/>
+            </a:schemeClr>
+          </a:lnRef>
+          <a:fillRef idx="1">
+            <a:schemeClr val="accent1"/>
+          </a:fillRef>
+          <a:effectRef idx="0">
+            <a:schemeClr val="accent1"/>
+          </a:effectRef>
+          <a:fontRef idx="minor">
+            <a:schemeClr val="lt1"/>
+          </a:fontRef>
+        </p:style>
+        <p:txBody>
+          <a:bodyPr rtlCol="0" anchor="ctr"/>
+          <a:lstStyle/>
+          <a:p>
+            <a:pPr algn="ctr"/>
+            <a:endParaRPr lang="en-US"/>
+          </a:p>
+        </p:txBody>
+      </p:sp>
+      <p:sp>
+        <p:nvSpPr>
+          <p:cNvPr id="14" name="Title 13">
+            <a:extLst>
+              <a:ext uri="{FF2B5EF4-FFF2-40B4-BE49-F238E27FC236}">
+                <a16:creationId xmlns:a16="http://schemas.microsoft.com/office/drawing/2014/main" id="{7A1FDB93-1983-4B64-9414-D150426F1748}"/>
+              </a:ext>
+            </a:extLst>
+          </p:cNvPr>
+          <p:cNvSpPr>
+            <a:spLocks noGrp="1"/>
+          </p:cNvSpPr>
+          <p:nvPr>
+            <p:ph type="title"/>
+          </p:nvPr>
+        </p:nvSpPr>
+        <p:spPr>
+          <a:xfrm>
+            <a:off x="9267909" y="2023110"/>
+            <a:ext cx="2469624" cy="2846070"/>
+          </a:xfrm>
+        </p:spPr>
+        <p:txBody>
+          <a:bodyPr vert="horz" lIns="91440" tIns="45720" rIns="91440" bIns="45720" rtlCol="0" anchor="ctr">
+            <a:normAutofit/>
+          </a:bodyPr>
+          <a:lstStyle/>
+          <a:p>
+            <a:endParaRPr lang="en-US" sz="3700"/>
+          </a:p>
+        </p:txBody>
+      </p:sp>
+      <p:sp>
+        <p:nvSpPr>
+          <p:cNvPr id="22" name="Rectangle 21">
+            <a:extLst>
+              <a:ext uri="{FF2B5EF4-FFF2-40B4-BE49-F238E27FC236}">
+                <a16:creationId xmlns:a16="http://schemas.microsoft.com/office/drawing/2014/main" id="{99413ED5-9ED4-4772-BCE4-2BCAE6B12E35}"/>
+              </a:ext>
+              <a:ext uri="{C183D7F6-B498-43B3-948B-1728B52AA6E4}">
+                <adec:decorative xmlns:adec="http://schemas.microsoft.com/office/drawing/2017/decorative" val="1"/>
+              </a:ext>
+            </a:extLst>
+          </p:cNvPr>
+          <p:cNvSpPr>
+            <a:spLocks noGrp="1" noRot="1" noChangeAspect="1" noMove="1" noResize="1" noEditPoints="1" noAdjustHandles="1" noChangeArrowheads="1" noChangeShapeType="1" noTextEdit="1"/>
+          </p:cNvSpPr>
+          <p:nvPr>
+            <p:extLst>
+              <p:ext uri="{386F3935-93C4-4BCD-93E2-E3B085C9AB24}">
+                <p16:designElem xmlns:p16="http://schemas.microsoft.com/office/powerpoint/2015/main" val="1"/>
+              </p:ext>
+            </p:extLst>
+          </p:nvPr>
+        </p:nvSpPr>
+        <p:spPr>
+          <a:xfrm rot="16200000">
+            <a:off x="3433973" y="-827233"/>
+            <a:ext cx="1715478" cy="8583421"/>
+          </a:xfrm>
+          <a:prstGeom prst="rect">
+            <a:avLst/>
+          </a:prstGeom>
+          <a:solidFill>
+            <a:schemeClr val="accent4"/>
+          </a:solidFill>
+          <a:ln>
+            <a:noFill/>
+          </a:ln>
+        </p:spPr>
+        <p:style>
+          <a:lnRef idx="2">
+            <a:schemeClr val="accent1">
+              <a:shade val="50000"/>
+            </a:schemeClr>
+          </a:lnRef>
+          <a:fillRef idx="1">
+            <a:schemeClr val="accent1"/>
+          </a:fillRef>
+          <a:effectRef idx="0">
+            <a:schemeClr val="accent1"/>
+          </a:effectRef>
+          <a:fontRef idx="minor">
+            <a:schemeClr val="lt1"/>
+          </a:fontRef>
+        </p:style>
+        <p:txBody>
+          <a:bodyPr rtlCol="0" anchor="ctr"/>
+          <a:lstStyle/>
+          <a:p>
+            <a:pPr algn="ctr"/>
+            <a:endParaRPr lang="en-US" dirty="0"/>
+          </a:p>
+        </p:txBody>
+      </p:sp>
+      <p:sp>
+        <p:nvSpPr>
+          <p:cNvPr id="24" name="Rectangle 23">
+            <a:extLst>
+              <a:ext uri="{FF2B5EF4-FFF2-40B4-BE49-F238E27FC236}">
+                <a16:creationId xmlns:a16="http://schemas.microsoft.com/office/drawing/2014/main" id="{04357C93-F0CB-4A1C-8F77-4E9063789819}"/>
+              </a:ext>
+              <a:ext uri="{C183D7F6-B498-43B3-948B-1728B52AA6E4}">
+                <adec:decorative xmlns:adec="http://schemas.microsoft.com/office/drawing/2017/decorative" val="1"/>
+              </a:ext>
+            </a:extLst>
+          </p:cNvPr>
+          <p:cNvSpPr>
+            <a:spLocks noGrp="1" noRot="1" noChangeAspect="1" noMove="1" noResize="1" noEditPoints="1" noAdjustHandles="1" noChangeArrowheads="1" noChangeShapeType="1" noTextEdit="1"/>
+          </p:cNvSpPr>
+          <p:nvPr>
+            <p:extLst>
+              <p:ext uri="{386F3935-93C4-4BCD-93E2-E3B085C9AB24}">
+                <p16:designElem xmlns:p16="http://schemas.microsoft.com/office/powerpoint/2015/main" val="1"/>
+              </p:ext>
+            </p:extLst>
+          </p:nvPr>
+        </p:nvSpPr>
+        <p:spPr>
+          <a:xfrm>
+            <a:off x="302085" y="664308"/>
+            <a:ext cx="8082632" cy="5600340"/>
+          </a:xfrm>
+          <a:prstGeom prst="rect">
+            <a:avLst/>
+          </a:prstGeom>
+          <a:solidFill>
+            <a:schemeClr val="bg1"/>
+          </a:solidFill>
+          <a:ln>
+            <a:noFill/>
+          </a:ln>
+          <a:effectLst>
+            <a:outerShdw blurRad="139700" dist="127000" dir="5400000" algn="t" rotWithShape="0">
+              <a:prstClr val="black">
+                <a:alpha val="15000"/>
+              </a:prstClr>
+            </a:outerShdw>
+          </a:effectLst>
+        </p:spPr>
+        <p:style>
+          <a:lnRef idx="2">
+            <a:schemeClr val="accent1">
+              <a:shade val="50000"/>
+            </a:schemeClr>
+          </a:lnRef>
+          <a:fillRef idx="1">
+            <a:schemeClr val="accent1"/>
+          </a:fillRef>
+          <a:effectRef idx="0">
+            <a:schemeClr val="accent1"/>
+          </a:effectRef>
+          <a:fontRef idx="minor">
+            <a:schemeClr val="lt1"/>
+          </a:fontRef>
+        </p:style>
+        <p:txBody>
+          <a:bodyPr rtlCol="0" anchor="ctr"/>
+          <a:lstStyle/>
+          <a:p>
+            <a:pPr algn="ctr"/>
+            <a:endParaRPr lang="en-US"/>
+          </a:p>
+        </p:txBody>
+      </p:sp>
+      <p:pic>
+        <p:nvPicPr>
+          <p:cNvPr id="8" name="Content Placeholder 7" descr="Text, letter, whiteboard&#10;&#10;Description automatically generated">
+            <a:extLst>
+              <a:ext uri="{FF2B5EF4-FFF2-40B4-BE49-F238E27FC236}">
+                <a16:creationId xmlns:a16="http://schemas.microsoft.com/office/drawing/2014/main" id="{3715D443-FD0D-40B7-A8FF-7F66E4B1D31A}"/>
+              </a:ext>
+            </a:extLst>
+          </p:cNvPr>
+          <p:cNvPicPr>
+            <a:picLocks noGrp="1" noChangeAspect="1"/>
+          </p:cNvPicPr>
+          <p:nvPr>
+            <p:ph idx="1"/>
+          </p:nvPr>
+        </p:nvPicPr>
+        <p:blipFill rotWithShape="1">
+          <a:blip r:embed="rId2">
+            <a:extLst>
+              <a:ext uri="{28A0092B-C50C-407E-A947-70E740481C1C}">
+                <a14:useLocalDpi xmlns:a14="http://schemas.microsoft.com/office/drawing/2010/main" val="0"/>
+              </a:ext>
+            </a:extLst>
+          </a:blip>
+          <a:srcRect l="4" r="2" b="2"/>
+          <a:stretch/>
+        </p:blipFill>
+        <p:spPr>
+          <a:xfrm>
+            <a:off x="545238" y="858525"/>
+            <a:ext cx="7608304" cy="5211906"/>
+          </a:xfrm>
+          <a:prstGeom prst="rect">
+            <a:avLst/>
+          </a:prstGeom>
+        </p:spPr>
+      </p:pic>
+      <p:sp>
+        <p:nvSpPr>
+          <p:cNvPr id="26" name="Rectangle 25">
+            <a:extLst>
+              <a:ext uri="{FF2B5EF4-FFF2-40B4-BE49-F238E27FC236}">
+                <a16:creationId xmlns:a16="http://schemas.microsoft.com/office/drawing/2014/main" id="{90F533E9-6690-41A8-A372-4C6C622D028D}"/>
+              </a:ext>
+              <a:ext uri="{C183D7F6-B498-43B3-948B-1728B52AA6E4}">
+                <adec:decorative xmlns:adec="http://schemas.microsoft.com/office/drawing/2017/decorative" val="1"/>
+              </a:ext>
+            </a:extLst>
+          </p:cNvPr>
+          <p:cNvSpPr>
+            <a:spLocks noGrp="1" noRot="1" noChangeAspect="1" noMove="1" noResize="1" noEditPoints="1" noAdjustHandles="1" noChangeArrowheads="1" noChangeShapeType="1" noTextEdit="1"/>
+          </p:cNvSpPr>
+          <p:nvPr>
+            <p:extLst>
+              <p:ext uri="{386F3935-93C4-4BCD-93E2-E3B085C9AB24}">
+                <p16:designElem xmlns:p16="http://schemas.microsoft.com/office/powerpoint/2015/main" val="1"/>
+              </p:ext>
+            </p:extLst>
+          </p:nvPr>
+        </p:nvSpPr>
+        <p:spPr>
+          <a:xfrm rot="5400000">
+            <a:off x="7950447" y="3392097"/>
+            <a:ext cx="1719072" cy="152382"/>
+          </a:xfrm>
+          <a:prstGeom prst="rect">
+            <a:avLst/>
+          </a:prstGeom>
+          <a:solidFill>
+            <a:schemeClr val="accent4"/>
+          </a:solidFill>
+          <a:ln>
+            <a:noFill/>
+          </a:ln>
+        </p:spPr>
+        <p:style>
+          <a:lnRef idx="2">
+            <a:schemeClr val="accent1">
+              <a:shade val="50000"/>
+            </a:schemeClr>
+          </a:lnRef>
+          <a:fillRef idx="1">
+            <a:schemeClr val="accent1"/>
+          </a:fillRef>
+          <a:effectRef idx="0">
+            <a:schemeClr val="accent1"/>
+          </a:effectRef>
+          <a:fontRef idx="minor">
+            <a:schemeClr val="lt1"/>
+          </a:fontRef>
+        </p:style>
+        <p:txBody>
+          <a:bodyPr rtlCol="0" anchor="ctr"/>
+          <a:lstStyle/>
+          <a:p>
+            <a:pPr algn="ctr"/>
             <a:endParaRPr lang="en-US"/>
           </a:p>
         </p:txBody>

--- a/Food Delivery System.pptx
+++ b/Food Delivery System.pptx
@@ -9,10 +9,10 @@
     <p:sldId id="258" r:id="rId3"/>
     <p:sldId id="264" r:id="rId4"/>
     <p:sldId id="266" r:id="rId5"/>
-    <p:sldId id="259" r:id="rId6"/>
-    <p:sldId id="260" r:id="rId7"/>
-    <p:sldId id="261" r:id="rId8"/>
-    <p:sldId id="262" r:id="rId9"/>
+    <p:sldId id="268" r:id="rId6"/>
+    <p:sldId id="269" r:id="rId7"/>
+    <p:sldId id="270" r:id="rId8"/>
+    <p:sldId id="271" r:id="rId9"/>
     <p:sldId id="263" r:id="rId10"/>
   </p:sldIdLst>
   <p:sldSz cx="12192000" cy="6858000"/>
@@ -267,7 +267,7 @@
           <a:p>
             <a:fld id="{1F19A45D-7DA2-4C32-99C7-5202EC42A9E7}" type="datetimeFigureOut">
               <a:rPr lang="en-US" smtClean="0"/>
-              <a:t>10/19/2020</a:t>
+              <a:t>10/20/2020</a:t>
             </a:fld>
             <a:endParaRPr lang="en-US"/>
           </a:p>
@@ -465,7 +465,7 @@
           <a:p>
             <a:fld id="{1F19A45D-7DA2-4C32-99C7-5202EC42A9E7}" type="datetimeFigureOut">
               <a:rPr lang="en-US" smtClean="0"/>
-              <a:t>10/19/2020</a:t>
+              <a:t>10/20/2020</a:t>
             </a:fld>
             <a:endParaRPr lang="en-US"/>
           </a:p>
@@ -673,7 +673,7 @@
           <a:p>
             <a:fld id="{1F19A45D-7DA2-4C32-99C7-5202EC42A9E7}" type="datetimeFigureOut">
               <a:rPr lang="en-US" smtClean="0"/>
-              <a:t>10/19/2020</a:t>
+              <a:t>10/20/2020</a:t>
             </a:fld>
             <a:endParaRPr lang="en-US"/>
           </a:p>
@@ -871,7 +871,7 @@
           <a:p>
             <a:fld id="{1F19A45D-7DA2-4C32-99C7-5202EC42A9E7}" type="datetimeFigureOut">
               <a:rPr lang="en-US" smtClean="0"/>
-              <a:t>10/19/2020</a:t>
+              <a:t>10/20/2020</a:t>
             </a:fld>
             <a:endParaRPr lang="en-US"/>
           </a:p>
@@ -1146,7 +1146,7 @@
           <a:p>
             <a:fld id="{1F19A45D-7DA2-4C32-99C7-5202EC42A9E7}" type="datetimeFigureOut">
               <a:rPr lang="en-US" smtClean="0"/>
-              <a:t>10/19/2020</a:t>
+              <a:t>10/20/2020</a:t>
             </a:fld>
             <a:endParaRPr lang="en-US"/>
           </a:p>
@@ -1411,7 +1411,7 @@
           <a:p>
             <a:fld id="{1F19A45D-7DA2-4C32-99C7-5202EC42A9E7}" type="datetimeFigureOut">
               <a:rPr lang="en-US" smtClean="0"/>
-              <a:t>10/19/2020</a:t>
+              <a:t>10/20/2020</a:t>
             </a:fld>
             <a:endParaRPr lang="en-US"/>
           </a:p>
@@ -1823,7 +1823,7 @@
           <a:p>
             <a:fld id="{1F19A45D-7DA2-4C32-99C7-5202EC42A9E7}" type="datetimeFigureOut">
               <a:rPr lang="en-US" smtClean="0"/>
-              <a:t>10/19/2020</a:t>
+              <a:t>10/20/2020</a:t>
             </a:fld>
             <a:endParaRPr lang="en-US"/>
           </a:p>
@@ -1964,7 +1964,7 @@
           <a:p>
             <a:fld id="{1F19A45D-7DA2-4C32-99C7-5202EC42A9E7}" type="datetimeFigureOut">
               <a:rPr lang="en-US" smtClean="0"/>
-              <a:t>10/19/2020</a:t>
+              <a:t>10/20/2020</a:t>
             </a:fld>
             <a:endParaRPr lang="en-US"/>
           </a:p>
@@ -2077,7 +2077,7 @@
           <a:p>
             <a:fld id="{1F19A45D-7DA2-4C32-99C7-5202EC42A9E7}" type="datetimeFigureOut">
               <a:rPr lang="en-US" smtClean="0"/>
-              <a:t>10/19/2020</a:t>
+              <a:t>10/20/2020</a:t>
             </a:fld>
             <a:endParaRPr lang="en-US"/>
           </a:p>
@@ -2388,7 +2388,7 @@
           <a:p>
             <a:fld id="{1F19A45D-7DA2-4C32-99C7-5202EC42A9E7}" type="datetimeFigureOut">
               <a:rPr lang="en-US" smtClean="0"/>
-              <a:t>10/19/2020</a:t>
+              <a:t>10/20/2020</a:t>
             </a:fld>
             <a:endParaRPr lang="en-US"/>
           </a:p>
@@ -2676,7 +2676,7 @@
           <a:p>
             <a:fld id="{1F19A45D-7DA2-4C32-99C7-5202EC42A9E7}" type="datetimeFigureOut">
               <a:rPr lang="en-US" smtClean="0"/>
-              <a:t>10/19/2020</a:t>
+              <a:t>10/20/2020</a:t>
             </a:fld>
             <a:endParaRPr lang="en-US"/>
           </a:p>
@@ -2917,7 +2917,7 @@
           <a:p>
             <a:fld id="{1F19A45D-7DA2-4C32-99C7-5202EC42A9E7}" type="datetimeFigureOut">
               <a:rPr lang="en-US" smtClean="0"/>
-              <a:t>10/19/2020</a:t>
+              <a:t>10/20/2020</a:t>
             </a:fld>
             <a:endParaRPr lang="en-US"/>
           </a:p>
@@ -4046,7 +4046,15 @@
             </a:r>
             <a:r>
               <a:rPr lang="en-US" dirty="0"/>
-              <a:t> industry digital </a:t>
+              <a:t> </a:t>
+            </a:r>
+            <a:r>
+              <a:rPr lang="en-US" dirty="0" err="1"/>
+              <a:t>industri</a:t>
+            </a:r>
+            <a:r>
+              <a:rPr lang="en-US" dirty="0"/>
+              <a:t> digital </a:t>
             </a:r>
             <a:r>
               <a:rPr lang="en-US" dirty="0" err="1"/>
@@ -4422,92 +4430,41 @@
           <a:chExt cx="0" cy="0"/>
         </a:xfrm>
       </p:grpSpPr>
-      <p:sp>
-        <p:nvSpPr>
-          <p:cNvPr id="2" name="Title 1">
-            <a:extLst>
-              <a:ext uri="{FF2B5EF4-FFF2-40B4-BE49-F238E27FC236}">
-                <a16:creationId xmlns:a16="http://schemas.microsoft.com/office/drawing/2014/main" id="{4517C26C-57DA-4AEF-80F6-80351331806D}"/>
-              </a:ext>
-            </a:extLst>
-          </p:cNvPr>
-          <p:cNvSpPr>
-            <a:spLocks noGrp="1"/>
-          </p:cNvSpPr>
-          <p:nvPr>
-            <p:ph type="title"/>
-          </p:nvPr>
-        </p:nvSpPr>
-        <p:spPr/>
-        <p:txBody>
-          <a:bodyPr/>
-          <a:lstStyle/>
-          <a:p>
-            <a:r>
-              <a:rPr lang="en-US" dirty="0" err="1"/>
-              <a:t>Latar</a:t>
-            </a:r>
-            <a:r>
-              <a:rPr lang="en-US" dirty="0"/>
-              <a:t> </a:t>
-            </a:r>
-            <a:r>
-              <a:rPr lang="en-US" dirty="0" err="1"/>
-              <a:t>Belakang</a:t>
-            </a:r>
-            <a:r>
-              <a:rPr lang="en-US" dirty="0"/>
-              <a:t> dan </a:t>
-            </a:r>
-            <a:r>
-              <a:rPr lang="en-US" dirty="0" err="1"/>
-              <a:t>Tujuan</a:t>
-            </a:r>
-            <a:endParaRPr lang="en-US" dirty="0"/>
-          </a:p>
-        </p:txBody>
-      </p:sp>
-      <p:sp>
-        <p:nvSpPr>
-          <p:cNvPr id="3" name="Content Placeholder 2">
-            <a:extLst>
-              <a:ext uri="{FF2B5EF4-FFF2-40B4-BE49-F238E27FC236}">
-                <a16:creationId xmlns:a16="http://schemas.microsoft.com/office/drawing/2014/main" id="{6AD382C9-19F1-4EB9-9E5A-4D8693126C85}"/>
-              </a:ext>
-            </a:extLst>
-          </p:cNvPr>
-          <p:cNvSpPr>
-            <a:spLocks noGrp="1"/>
-          </p:cNvSpPr>
+      <p:pic>
+        <p:nvPicPr>
+          <p:cNvPr id="7" name="Content Placeholder 6" descr="Diagram, schematic&#10;&#10;Description automatically generated">
+            <a:extLst>
+              <a:ext uri="{FF2B5EF4-FFF2-40B4-BE49-F238E27FC236}">
+                <a16:creationId xmlns:a16="http://schemas.microsoft.com/office/drawing/2014/main" id="{264F1445-50F0-4CC6-8AC6-CDB693147BA4}"/>
+              </a:ext>
+            </a:extLst>
+          </p:cNvPr>
+          <p:cNvPicPr>
+            <a:picLocks noGrp="1" noChangeAspect="1"/>
+          </p:cNvPicPr>
           <p:nvPr>
             <p:ph idx="1"/>
           </p:nvPr>
-        </p:nvSpPr>
-        <p:spPr/>
-        <p:txBody>
-          <a:bodyPr>
-            <a:normAutofit/>
-          </a:bodyPr>
-          <a:lstStyle/>
-          <a:p>
-            <a:pPr marL="0" indent="0">
-              <a:buNone/>
-            </a:pPr>
-            <a:r>
-              <a:rPr lang="en-US" dirty="0"/>
-              <a:t>1. </a:t>
-            </a:r>
-            <a:r>
-              <a:rPr lang="en-US" dirty="0" err="1"/>
-              <a:t>Perekonomian</a:t>
-            </a:r>
-            <a:r>
-              <a:rPr lang="en-US" dirty="0"/>
-              <a:t> Indonesia </a:t>
-            </a:r>
-          </a:p>
-        </p:txBody>
-      </p:sp>
+        </p:nvPicPr>
+        <p:blipFill>
+          <a:blip r:embed="rId2">
+            <a:extLst>
+              <a:ext uri="{28A0092B-C50C-407E-A947-70E740481C1C}">
+                <a14:useLocalDpi xmlns:a14="http://schemas.microsoft.com/office/drawing/2010/main" val="0"/>
+              </a:ext>
+            </a:extLst>
+          </a:blip>
+          <a:stretch>
+            <a:fillRect/>
+          </a:stretch>
+        </p:blipFill>
+        <p:spPr>
+          <a:xfrm>
+            <a:off x="1752320" y="0"/>
+            <a:ext cx="9080780" cy="6869759"/>
+          </a:xfrm>
+        </p:spPr>
+      </p:pic>
     </p:spTree>
     <p:extLst>
       <p:ext uri="{BB962C8B-B14F-4D97-AF65-F5344CB8AC3E}">
@@ -4525,10 +4482,28 @@
 <p:sld xmlns:a="http://schemas.openxmlformats.org/drawingml/2006/main" xmlns:r="http://schemas.openxmlformats.org/officeDocument/2006/relationships" xmlns:p="http://schemas.openxmlformats.org/presentationml/2006/main">
   <p:cSld>
     <p:bg>
-      <p:bgPr>
-        <a:solidFill>
-          <a:schemeClr val="bg1"/>
-        </a:solidFill>
+      <p:bgPr shadeToTitle="1">
+        <a:gradFill flip="none" rotWithShape="1">
+          <a:gsLst>
+            <a:gs pos="0">
+              <a:schemeClr val="bg1"/>
+            </a:gs>
+            <a:gs pos="96000">
+              <a:schemeClr val="accent6">
+                <a:lumMod val="45000"/>
+                <a:lumOff val="55000"/>
+              </a:schemeClr>
+            </a:gs>
+            <a:gs pos="100000">
+              <a:schemeClr val="accent6">
+                <a:lumMod val="30000"/>
+                <a:lumOff val="70000"/>
+              </a:schemeClr>
+            </a:gs>
+          </a:gsLst>
+          <a:lin ang="5400000" scaled="1"/>
+          <a:tileRect/>
+        </a:gradFill>
         <a:effectLst/>
       </p:bgPr>
     </p:bg>
@@ -4546,139 +4521,82 @@
           <a:chExt cx="0" cy="0"/>
         </a:xfrm>
       </p:grpSpPr>
-      <p:sp useBgFill="1">
-        <p:nvSpPr>
-          <p:cNvPr id="8" name="Rectangle 7">
-            <a:extLst>
-              <a:ext uri="{FF2B5EF4-FFF2-40B4-BE49-F238E27FC236}">
-                <a16:creationId xmlns:a16="http://schemas.microsoft.com/office/drawing/2014/main" id="{1C4A7C96-9E71-4CE8-ADCD-504C0D522B89}"/>
-              </a:ext>
-              <a:ext uri="{C183D7F6-B498-43B3-948B-1728B52AA6E4}">
-                <adec:decorative xmlns:adec="http://schemas.microsoft.com/office/drawing/2017/decorative" val="1"/>
-              </a:ext>
-            </a:extLst>
-          </p:cNvPr>
-          <p:cNvSpPr>
-            <a:spLocks noGrp="1" noRot="1" noChangeAspect="1" noMove="1" noResize="1" noEditPoints="1" noAdjustHandles="1" noChangeArrowheads="1" noChangeShapeType="1" noTextEdit="1"/>
-          </p:cNvSpPr>
-          <p:nvPr>
-            <p:extLst>
-              <p:ext uri="{386F3935-93C4-4BCD-93E2-E3B085C9AB24}">
-                <p16:designElem xmlns:p16="http://schemas.microsoft.com/office/powerpoint/2015/main" val="1"/>
-              </p:ext>
-            </p:extLst>
-          </p:nvPr>
-        </p:nvSpPr>
+      <p:sp>
+        <p:nvSpPr>
+          <p:cNvPr id="2" name="Title 1">
+            <a:extLst>
+              <a:ext uri="{FF2B5EF4-FFF2-40B4-BE49-F238E27FC236}">
+                <a16:creationId xmlns:a16="http://schemas.microsoft.com/office/drawing/2014/main" id="{4517C26C-57DA-4AEF-80F6-80351331806D}"/>
+              </a:ext>
+            </a:extLst>
+          </p:cNvPr>
+          <p:cNvSpPr>
+            <a:spLocks noGrp="1"/>
+          </p:cNvSpPr>
+          <p:nvPr>
+            <p:ph type="title"/>
+          </p:nvPr>
+        </p:nvSpPr>
+        <p:spPr/>
+        <p:txBody>
+          <a:bodyPr/>
+          <a:lstStyle/>
+          <a:p>
+            <a:r>
+              <a:rPr lang="en-US" dirty="0" err="1"/>
+              <a:t>Contoh</a:t>
+            </a:r>
+            <a:r>
+              <a:rPr lang="en-US" dirty="0"/>
+              <a:t> program </a:t>
+            </a:r>
+            <a:r>
+              <a:rPr lang="en-US" dirty="0" err="1"/>
+              <a:t>dijalankan</a:t>
+            </a:r>
+            <a:endParaRPr lang="en-US" dirty="0"/>
+          </a:p>
+        </p:txBody>
+      </p:sp>
+      <p:pic>
+        <p:nvPicPr>
+          <p:cNvPr id="5" name="Content Placeholder 4" descr="Text&#10;&#10;Description automatically generated">
+            <a:extLst>
+              <a:ext uri="{FF2B5EF4-FFF2-40B4-BE49-F238E27FC236}">
+                <a16:creationId xmlns:a16="http://schemas.microsoft.com/office/drawing/2014/main" id="{2610923A-6FEE-47F1-B77B-6E349FEA6556}"/>
+              </a:ext>
+            </a:extLst>
+          </p:cNvPr>
+          <p:cNvPicPr>
+            <a:picLocks noGrp="1" noChangeAspect="1"/>
+          </p:cNvPicPr>
+          <p:nvPr>
+            <p:ph idx="1"/>
+          </p:nvPr>
+        </p:nvPicPr>
+        <p:blipFill>
+          <a:blip r:embed="rId2">
+            <a:extLst>
+              <a:ext uri="{28A0092B-C50C-407E-A947-70E740481C1C}">
+                <a14:useLocalDpi xmlns:a14="http://schemas.microsoft.com/office/drawing/2010/main" val="0"/>
+              </a:ext>
+            </a:extLst>
+          </a:blip>
+          <a:stretch>
+            <a:fillRect/>
+          </a:stretch>
+        </p:blipFill>
         <p:spPr>
           <a:xfrm>
-            <a:off x="0" y="-1"/>
-            <a:ext cx="12188952" cy="6858000"/>
-          </a:xfrm>
-          <a:prstGeom prst="rect">
-            <a:avLst/>
-          </a:prstGeom>
-          <a:ln>
-            <a:noFill/>
-          </a:ln>
-        </p:spPr>
-        <p:style>
-          <a:lnRef idx="2">
-            <a:schemeClr val="accent1">
-              <a:shade val="50000"/>
-            </a:schemeClr>
-          </a:lnRef>
-          <a:fillRef idx="1">
-            <a:schemeClr val="accent1"/>
-          </a:fillRef>
-          <a:effectRef idx="0">
-            <a:schemeClr val="accent1"/>
-          </a:effectRef>
-          <a:fontRef idx="minor">
-            <a:schemeClr val="lt1"/>
-          </a:fontRef>
-        </p:style>
-        <p:txBody>
-          <a:bodyPr rtlCol="0" anchor="ctr"/>
-          <a:lstStyle/>
-          <a:p>
-            <a:pPr algn="ctr"/>
-            <a:endParaRPr lang="en-US"/>
-          </a:p>
-        </p:txBody>
-      </p:sp>
-      <p:sp>
-        <p:nvSpPr>
-          <p:cNvPr id="2" name="Title 1">
-            <a:extLst>
-              <a:ext uri="{FF2B5EF4-FFF2-40B4-BE49-F238E27FC236}">
-                <a16:creationId xmlns:a16="http://schemas.microsoft.com/office/drawing/2014/main" id="{F905C702-9C3E-4A56-84A4-5BC060B63BD1}"/>
-              </a:ext>
-            </a:extLst>
-          </p:cNvPr>
-          <p:cNvSpPr>
-            <a:spLocks noGrp="1"/>
-          </p:cNvSpPr>
-          <p:nvPr>
-            <p:ph type="title"/>
-          </p:nvPr>
-        </p:nvSpPr>
-        <p:spPr>
-          <a:xfrm>
-            <a:off x="838200" y="365126"/>
-            <a:ext cx="10515600" cy="1306440"/>
+            <a:off x="1799925" y="1690688"/>
+            <a:ext cx="8247378" cy="4642969"/>
           </a:xfrm>
         </p:spPr>
-        <p:txBody>
-          <a:bodyPr>
-            <a:normAutofit/>
-          </a:bodyPr>
-          <a:lstStyle/>
-          <a:p>
-            <a:pPr algn="ctr"/>
-            <a:r>
-              <a:rPr lang="en-US" dirty="0" err="1"/>
-              <a:t>Algoritma</a:t>
-            </a:r>
-            <a:endParaRPr lang="en-US" dirty="0"/>
-          </a:p>
-        </p:txBody>
-      </p:sp>
-      <p:sp>
-        <p:nvSpPr>
-          <p:cNvPr id="3" name="Content Placeholder 2">
-            <a:extLst>
-              <a:ext uri="{FF2B5EF4-FFF2-40B4-BE49-F238E27FC236}">
-                <a16:creationId xmlns:a16="http://schemas.microsoft.com/office/drawing/2014/main" id="{A266E5B4-1738-4B2A-8ADE-A7171F7F5BCC}"/>
-              </a:ext>
-            </a:extLst>
-          </p:cNvPr>
-          <p:cNvSpPr>
-            <a:spLocks noGrp="1"/>
-          </p:cNvSpPr>
-          <p:nvPr>
-            <p:ph idx="1"/>
-          </p:nvPr>
-        </p:nvSpPr>
-        <p:spPr>
-          <a:xfrm>
-            <a:off x="1995715" y="2000249"/>
-            <a:ext cx="8197410" cy="4128837"/>
-          </a:xfrm>
-        </p:spPr>
-        <p:txBody>
-          <a:bodyPr>
-            <a:normAutofit/>
-          </a:bodyPr>
-          <a:lstStyle/>
-          <a:p>
-            <a:endParaRPr lang="en-US" sz="2000"/>
-          </a:p>
-        </p:txBody>
-      </p:sp>
+      </p:pic>
     </p:spTree>
     <p:extLst>
       <p:ext uri="{BB962C8B-B14F-4D97-AF65-F5344CB8AC3E}">
-        <p14:creationId xmlns:p14="http://schemas.microsoft.com/office/powerpoint/2010/main" val="1994046756"/>
+        <p14:creationId xmlns:p14="http://schemas.microsoft.com/office/powerpoint/2010/main" val="2131135584"/>
       </p:ext>
     </p:extLst>
   </p:cSld>
@@ -4692,10 +4610,28 @@
 <p:sld xmlns:a="http://schemas.openxmlformats.org/drawingml/2006/main" xmlns:r="http://schemas.openxmlformats.org/officeDocument/2006/relationships" xmlns:p="http://schemas.openxmlformats.org/presentationml/2006/main">
   <p:cSld>
     <p:bg>
-      <p:bgPr>
-        <a:solidFill>
-          <a:schemeClr val="bg1"/>
-        </a:solidFill>
+      <p:bgPr shadeToTitle="1">
+        <a:gradFill flip="none" rotWithShape="1">
+          <a:gsLst>
+            <a:gs pos="0">
+              <a:schemeClr val="bg1"/>
+            </a:gs>
+            <a:gs pos="96000">
+              <a:schemeClr val="accent6">
+                <a:lumMod val="45000"/>
+                <a:lumOff val="55000"/>
+              </a:schemeClr>
+            </a:gs>
+            <a:gs pos="100000">
+              <a:schemeClr val="accent6">
+                <a:lumMod val="30000"/>
+                <a:lumOff val="70000"/>
+              </a:schemeClr>
+            </a:gs>
+          </a:gsLst>
+          <a:lin ang="5400000" scaled="1"/>
+          <a:tileRect/>
+        </a:gradFill>
         <a:effectLst/>
       </p:bgPr>
     </p:bg>
@@ -4713,139 +4649,82 @@
           <a:chExt cx="0" cy="0"/>
         </a:xfrm>
       </p:grpSpPr>
-      <p:sp useBgFill="1">
-        <p:nvSpPr>
-          <p:cNvPr id="8" name="Rectangle 7">
-            <a:extLst>
-              <a:ext uri="{FF2B5EF4-FFF2-40B4-BE49-F238E27FC236}">
-                <a16:creationId xmlns:a16="http://schemas.microsoft.com/office/drawing/2014/main" id="{1C4A7C96-9E71-4CE8-ADCD-504C0D522B89}"/>
-              </a:ext>
-              <a:ext uri="{C183D7F6-B498-43B3-948B-1728B52AA6E4}">
-                <adec:decorative xmlns:adec="http://schemas.microsoft.com/office/drawing/2017/decorative" val="1"/>
-              </a:ext>
-            </a:extLst>
-          </p:cNvPr>
-          <p:cNvSpPr>
-            <a:spLocks noGrp="1" noRot="1" noChangeAspect="1" noMove="1" noResize="1" noEditPoints="1" noAdjustHandles="1" noChangeArrowheads="1" noChangeShapeType="1" noTextEdit="1"/>
-          </p:cNvSpPr>
-          <p:nvPr>
-            <p:extLst>
-              <p:ext uri="{386F3935-93C4-4BCD-93E2-E3B085C9AB24}">
-                <p16:designElem xmlns:p16="http://schemas.microsoft.com/office/powerpoint/2015/main" val="1"/>
-              </p:ext>
-            </p:extLst>
-          </p:nvPr>
-        </p:nvSpPr>
+      <p:sp>
+        <p:nvSpPr>
+          <p:cNvPr id="2" name="Title 1">
+            <a:extLst>
+              <a:ext uri="{FF2B5EF4-FFF2-40B4-BE49-F238E27FC236}">
+                <a16:creationId xmlns:a16="http://schemas.microsoft.com/office/drawing/2014/main" id="{4517C26C-57DA-4AEF-80F6-80351331806D}"/>
+              </a:ext>
+            </a:extLst>
+          </p:cNvPr>
+          <p:cNvSpPr>
+            <a:spLocks noGrp="1"/>
+          </p:cNvSpPr>
+          <p:nvPr>
+            <p:ph type="title"/>
+          </p:nvPr>
+        </p:nvSpPr>
+        <p:spPr/>
+        <p:txBody>
+          <a:bodyPr/>
+          <a:lstStyle/>
+          <a:p>
+            <a:r>
+              <a:rPr lang="en-US" dirty="0" err="1"/>
+              <a:t>Contoh</a:t>
+            </a:r>
+            <a:r>
+              <a:rPr lang="en-US" dirty="0"/>
+              <a:t> program </a:t>
+            </a:r>
+            <a:r>
+              <a:rPr lang="en-US" dirty="0" err="1"/>
+              <a:t>dijalankan</a:t>
+            </a:r>
+            <a:endParaRPr lang="en-US" dirty="0"/>
+          </a:p>
+        </p:txBody>
+      </p:sp>
+      <p:pic>
+        <p:nvPicPr>
+          <p:cNvPr id="7" name="Content Placeholder 6" descr="A picture containing text&#10;&#10;Description automatically generated">
+            <a:extLst>
+              <a:ext uri="{FF2B5EF4-FFF2-40B4-BE49-F238E27FC236}">
+                <a16:creationId xmlns:a16="http://schemas.microsoft.com/office/drawing/2014/main" id="{4424C243-FB46-4797-AD4B-182973B1D855}"/>
+              </a:ext>
+            </a:extLst>
+          </p:cNvPr>
+          <p:cNvPicPr>
+            <a:picLocks noGrp="1" noChangeAspect="1"/>
+          </p:cNvPicPr>
+          <p:nvPr>
+            <p:ph idx="1"/>
+          </p:nvPr>
+        </p:nvPicPr>
+        <p:blipFill>
+          <a:blip r:embed="rId2">
+            <a:extLst>
+              <a:ext uri="{28A0092B-C50C-407E-A947-70E740481C1C}">
+                <a14:useLocalDpi xmlns:a14="http://schemas.microsoft.com/office/drawing/2010/main" val="0"/>
+              </a:ext>
+            </a:extLst>
+          </a:blip>
+          <a:stretch>
+            <a:fillRect/>
+          </a:stretch>
+        </p:blipFill>
         <p:spPr>
           <a:xfrm>
-            <a:off x="0" y="-1"/>
-            <a:ext cx="12188952" cy="6858000"/>
-          </a:xfrm>
-          <a:prstGeom prst="rect">
-            <a:avLst/>
-          </a:prstGeom>
-          <a:ln>
-            <a:noFill/>
-          </a:ln>
-        </p:spPr>
-        <p:style>
-          <a:lnRef idx="2">
-            <a:schemeClr val="accent1">
-              <a:shade val="50000"/>
-            </a:schemeClr>
-          </a:lnRef>
-          <a:fillRef idx="1">
-            <a:schemeClr val="accent1"/>
-          </a:fillRef>
-          <a:effectRef idx="0">
-            <a:schemeClr val="accent1"/>
-          </a:effectRef>
-          <a:fontRef idx="minor">
-            <a:schemeClr val="lt1"/>
-          </a:fontRef>
-        </p:style>
-        <p:txBody>
-          <a:bodyPr rtlCol="0" anchor="ctr"/>
-          <a:lstStyle/>
-          <a:p>
-            <a:pPr algn="ctr"/>
-            <a:endParaRPr lang="en-US"/>
-          </a:p>
-        </p:txBody>
-      </p:sp>
-      <p:sp>
-        <p:nvSpPr>
-          <p:cNvPr id="2" name="Title 1">
-            <a:extLst>
-              <a:ext uri="{FF2B5EF4-FFF2-40B4-BE49-F238E27FC236}">
-                <a16:creationId xmlns:a16="http://schemas.microsoft.com/office/drawing/2014/main" id="{58FCBF0C-A19C-408C-B91F-814F655AE2C0}"/>
-              </a:ext>
-            </a:extLst>
-          </p:cNvPr>
-          <p:cNvSpPr>
-            <a:spLocks noGrp="1"/>
-          </p:cNvSpPr>
-          <p:nvPr>
-            <p:ph type="title"/>
-          </p:nvPr>
-        </p:nvSpPr>
-        <p:spPr>
-          <a:xfrm>
-            <a:off x="838200" y="365126"/>
-            <a:ext cx="10515600" cy="1306440"/>
+            <a:off x="2240565" y="1825625"/>
+            <a:ext cx="7710869" cy="4351338"/>
           </a:xfrm>
         </p:spPr>
-        <p:txBody>
-          <a:bodyPr>
-            <a:normAutofit/>
-          </a:bodyPr>
-          <a:lstStyle/>
-          <a:p>
-            <a:pPr algn="ctr"/>
-            <a:r>
-              <a:rPr lang="en-US" dirty="0" err="1"/>
-              <a:t>algoritma</a:t>
-            </a:r>
-            <a:endParaRPr lang="en-US"/>
-          </a:p>
-        </p:txBody>
-      </p:sp>
-      <p:sp>
-        <p:nvSpPr>
-          <p:cNvPr id="3" name="Content Placeholder 2">
-            <a:extLst>
-              <a:ext uri="{FF2B5EF4-FFF2-40B4-BE49-F238E27FC236}">
-                <a16:creationId xmlns:a16="http://schemas.microsoft.com/office/drawing/2014/main" id="{B27F1E25-C32C-427C-9D7C-199AD6006741}"/>
-              </a:ext>
-            </a:extLst>
-          </p:cNvPr>
-          <p:cNvSpPr>
-            <a:spLocks noGrp="1"/>
-          </p:cNvSpPr>
-          <p:nvPr>
-            <p:ph idx="1"/>
-          </p:nvPr>
-        </p:nvSpPr>
-        <p:spPr>
-          <a:xfrm>
-            <a:off x="1995715" y="2000249"/>
-            <a:ext cx="8197410" cy="4128837"/>
-          </a:xfrm>
-        </p:spPr>
-        <p:txBody>
-          <a:bodyPr>
-            <a:normAutofit/>
-          </a:bodyPr>
-          <a:lstStyle/>
-          <a:p>
-            <a:endParaRPr lang="en-US" sz="2000"/>
-          </a:p>
-        </p:txBody>
-      </p:sp>
+      </p:pic>
     </p:spTree>
     <p:extLst>
       <p:ext uri="{BB962C8B-B14F-4D97-AF65-F5344CB8AC3E}">
-        <p14:creationId xmlns:p14="http://schemas.microsoft.com/office/powerpoint/2010/main" val="3171435165"/>
+        <p14:creationId xmlns:p14="http://schemas.microsoft.com/office/powerpoint/2010/main" val="811047832"/>
       </p:ext>
     </p:extLst>
   </p:cSld>
@@ -4858,6 +4737,32 @@
 <file path=ppt/slides/slide7.xml><?xml version="1.0" encoding="utf-8"?>
 <p:sld xmlns:a="http://schemas.openxmlformats.org/drawingml/2006/main" xmlns:r="http://schemas.openxmlformats.org/officeDocument/2006/relationships" xmlns:p="http://schemas.openxmlformats.org/presentationml/2006/main">
   <p:cSld>
+    <p:bg>
+      <p:bgPr shadeToTitle="1">
+        <a:gradFill flip="none" rotWithShape="1">
+          <a:gsLst>
+            <a:gs pos="0">
+              <a:schemeClr val="bg1"/>
+            </a:gs>
+            <a:gs pos="96000">
+              <a:schemeClr val="accent6">
+                <a:lumMod val="45000"/>
+                <a:lumOff val="55000"/>
+              </a:schemeClr>
+            </a:gs>
+            <a:gs pos="100000">
+              <a:schemeClr val="accent6">
+                <a:lumMod val="30000"/>
+                <a:lumOff val="70000"/>
+              </a:schemeClr>
+            </a:gs>
+          </a:gsLst>
+          <a:lin ang="5400000" scaled="1"/>
+          <a:tileRect/>
+        </a:gradFill>
+        <a:effectLst/>
+      </p:bgPr>
+    </p:bg>
     <p:spTree>
       <p:nvGrpSpPr>
         <p:cNvPr id="1" name=""/>
@@ -4877,7 +4782,7 @@
           <p:cNvPr id="2" name="Title 1">
             <a:extLst>
               <a:ext uri="{FF2B5EF4-FFF2-40B4-BE49-F238E27FC236}">
-                <a16:creationId xmlns:a16="http://schemas.microsoft.com/office/drawing/2014/main" id="{B94AA143-CD61-40C4-BF92-C147710178AE}"/>
+                <a16:creationId xmlns:a16="http://schemas.microsoft.com/office/drawing/2014/main" id="{4517C26C-57DA-4AEF-80F6-80351331806D}"/>
               </a:ext>
             </a:extLst>
           </p:cNvPr>
@@ -4909,35 +4814,45 @@
           </a:p>
         </p:txBody>
       </p:sp>
-      <p:sp>
-        <p:nvSpPr>
-          <p:cNvPr id="3" name="Content Placeholder 2">
-            <a:extLst>
-              <a:ext uri="{FF2B5EF4-FFF2-40B4-BE49-F238E27FC236}">
-                <a16:creationId xmlns:a16="http://schemas.microsoft.com/office/drawing/2014/main" id="{749F188F-BED2-4AB6-9B58-A5A8BD75AB3B}"/>
-              </a:ext>
-            </a:extLst>
-          </p:cNvPr>
-          <p:cNvSpPr>
-            <a:spLocks noGrp="1"/>
-          </p:cNvSpPr>
+      <p:pic>
+        <p:nvPicPr>
+          <p:cNvPr id="7" name="Content Placeholder 6" descr="Text&#10;&#10;Description automatically generated">
+            <a:extLst>
+              <a:ext uri="{FF2B5EF4-FFF2-40B4-BE49-F238E27FC236}">
+                <a16:creationId xmlns:a16="http://schemas.microsoft.com/office/drawing/2014/main" id="{CE623B27-0F77-47AD-A4DD-C9A1F91F34D2}"/>
+              </a:ext>
+            </a:extLst>
+          </p:cNvPr>
+          <p:cNvPicPr>
+            <a:picLocks noGrp="1" noChangeAspect="1"/>
+          </p:cNvPicPr>
           <p:nvPr>
             <p:ph idx="1"/>
           </p:nvPr>
-        </p:nvSpPr>
-        <p:spPr/>
-        <p:txBody>
-          <a:bodyPr/>
-          <a:lstStyle/>
-          <a:p>
-            <a:endParaRPr lang="en-US"/>
-          </a:p>
-        </p:txBody>
-      </p:sp>
+        </p:nvPicPr>
+        <p:blipFill>
+          <a:blip r:embed="rId2">
+            <a:extLst>
+              <a:ext uri="{28A0092B-C50C-407E-A947-70E740481C1C}">
+                <a14:useLocalDpi xmlns:a14="http://schemas.microsoft.com/office/drawing/2010/main" val="0"/>
+              </a:ext>
+            </a:extLst>
+          </a:blip>
+          <a:stretch>
+            <a:fillRect/>
+          </a:stretch>
+        </p:blipFill>
+        <p:spPr>
+          <a:xfrm>
+            <a:off x="2255744" y="1825625"/>
+            <a:ext cx="7680511" cy="4351338"/>
+          </a:xfrm>
+        </p:spPr>
+      </p:pic>
     </p:spTree>
     <p:extLst>
       <p:ext uri="{BB962C8B-B14F-4D97-AF65-F5344CB8AC3E}">
-        <p14:creationId xmlns:p14="http://schemas.microsoft.com/office/powerpoint/2010/main" val="521788430"/>
+        <p14:creationId xmlns:p14="http://schemas.microsoft.com/office/powerpoint/2010/main" val="4148774531"/>
       </p:ext>
     </p:extLst>
   </p:cSld>
@@ -4950,6 +4865,32 @@
 <file path=ppt/slides/slide8.xml><?xml version="1.0" encoding="utf-8"?>
 <p:sld xmlns:a="http://schemas.openxmlformats.org/drawingml/2006/main" xmlns:r="http://schemas.openxmlformats.org/officeDocument/2006/relationships" xmlns:p="http://schemas.openxmlformats.org/presentationml/2006/main">
   <p:cSld>
+    <p:bg>
+      <p:bgPr shadeToTitle="1">
+        <a:gradFill flip="none" rotWithShape="1">
+          <a:gsLst>
+            <a:gs pos="0">
+              <a:schemeClr val="bg1"/>
+            </a:gs>
+            <a:gs pos="96000">
+              <a:schemeClr val="accent6">
+                <a:lumMod val="45000"/>
+                <a:lumOff val="55000"/>
+              </a:schemeClr>
+            </a:gs>
+            <a:gs pos="100000">
+              <a:schemeClr val="accent6">
+                <a:lumMod val="30000"/>
+                <a:lumOff val="70000"/>
+              </a:schemeClr>
+            </a:gs>
+          </a:gsLst>
+          <a:lin ang="5400000" scaled="1"/>
+          <a:tileRect/>
+        </a:gradFill>
+        <a:effectLst/>
+      </p:bgPr>
+    </p:bg>
     <p:spTree>
       <p:nvGrpSpPr>
         <p:cNvPr id="1" name=""/>
@@ -4969,7 +4910,7 @@
           <p:cNvPr id="2" name="Title 1">
             <a:extLst>
               <a:ext uri="{FF2B5EF4-FFF2-40B4-BE49-F238E27FC236}">
-                <a16:creationId xmlns:a16="http://schemas.microsoft.com/office/drawing/2014/main" id="{1370304A-C97F-449A-BFED-A6C5F35EC960}"/>
+                <a16:creationId xmlns:a16="http://schemas.microsoft.com/office/drawing/2014/main" id="{4517C26C-57DA-4AEF-80F6-80351331806D}"/>
               </a:ext>
             </a:extLst>
           </p:cNvPr>
@@ -5001,35 +4942,45 @@
           </a:p>
         </p:txBody>
       </p:sp>
-      <p:sp>
-        <p:nvSpPr>
-          <p:cNvPr id="3" name="Content Placeholder 2">
-            <a:extLst>
-              <a:ext uri="{FF2B5EF4-FFF2-40B4-BE49-F238E27FC236}">
-                <a16:creationId xmlns:a16="http://schemas.microsoft.com/office/drawing/2014/main" id="{D0C287C0-77ED-454E-A78F-F7B8A83EB5AF}"/>
-              </a:ext>
-            </a:extLst>
-          </p:cNvPr>
-          <p:cNvSpPr>
-            <a:spLocks noGrp="1"/>
-          </p:cNvSpPr>
+      <p:pic>
+        <p:nvPicPr>
+          <p:cNvPr id="6" name="Content Placeholder 5" descr="A picture containing shape&#10;&#10;Description automatically generated">
+            <a:extLst>
+              <a:ext uri="{FF2B5EF4-FFF2-40B4-BE49-F238E27FC236}">
+                <a16:creationId xmlns:a16="http://schemas.microsoft.com/office/drawing/2014/main" id="{FDC961B2-9532-4CEE-BEF7-AE0B21DD4980}"/>
+              </a:ext>
+            </a:extLst>
+          </p:cNvPr>
+          <p:cNvPicPr>
+            <a:picLocks noGrp="1" noChangeAspect="1"/>
+          </p:cNvPicPr>
           <p:nvPr>
             <p:ph idx="1"/>
           </p:nvPr>
-        </p:nvSpPr>
-        <p:spPr/>
-        <p:txBody>
-          <a:bodyPr/>
-          <a:lstStyle/>
-          <a:p>
-            <a:endParaRPr lang="en-US"/>
-          </a:p>
-        </p:txBody>
-      </p:sp>
+        </p:nvPicPr>
+        <p:blipFill>
+          <a:blip r:embed="rId2">
+            <a:extLst>
+              <a:ext uri="{28A0092B-C50C-407E-A947-70E740481C1C}">
+                <a14:useLocalDpi xmlns:a14="http://schemas.microsoft.com/office/drawing/2010/main" val="0"/>
+              </a:ext>
+            </a:extLst>
+          </a:blip>
+          <a:stretch>
+            <a:fillRect/>
+          </a:stretch>
+        </p:blipFill>
+        <p:spPr>
+          <a:xfrm>
+            <a:off x="2252223" y="1690688"/>
+            <a:ext cx="7687553" cy="4351338"/>
+          </a:xfrm>
+        </p:spPr>
+      </p:pic>
     </p:spTree>
     <p:extLst>
       <p:ext uri="{BB962C8B-B14F-4D97-AF65-F5344CB8AC3E}">
-        <p14:creationId xmlns:p14="http://schemas.microsoft.com/office/powerpoint/2010/main" val="2284322303"/>
+        <p14:creationId xmlns:p14="http://schemas.microsoft.com/office/powerpoint/2010/main" val="449737890"/>
       </p:ext>
     </p:extLst>
   </p:cSld>

--- a/Food Delivery System.pptx
+++ b/Food Delivery System.pptx
@@ -13,7 +13,8 @@
     <p:sldId id="269" r:id="rId7"/>
     <p:sldId id="270" r:id="rId8"/>
     <p:sldId id="271" r:id="rId9"/>
-    <p:sldId id="263" r:id="rId10"/>
+    <p:sldId id="272" r:id="rId10"/>
+    <p:sldId id="263" r:id="rId11"/>
   </p:sldIdLst>
   <p:sldSz cx="12192000" cy="6858000"/>
   <p:notesSz cx="6858000" cy="9144000"/>
@@ -3795,6 +3796,369 @@
 </p:sld>
 </file>
 
+<file path=ppt/slides/slide10.xml><?xml version="1.0" encoding="utf-8"?>
+<p:sld xmlns:a="http://schemas.openxmlformats.org/drawingml/2006/main" xmlns:r="http://schemas.openxmlformats.org/officeDocument/2006/relationships" xmlns:p="http://schemas.openxmlformats.org/presentationml/2006/main">
+  <p:cSld>
+    <p:bg>
+      <p:bgPr>
+        <a:solidFill>
+          <a:schemeClr val="bg1"/>
+        </a:solidFill>
+        <a:effectLst/>
+      </p:bgPr>
+    </p:bg>
+    <p:spTree>
+      <p:nvGrpSpPr>
+        <p:cNvPr id="1" name=""/>
+        <p:cNvGrpSpPr/>
+        <p:nvPr/>
+      </p:nvGrpSpPr>
+      <p:grpSpPr>
+        <a:xfrm>
+          <a:off x="0" y="0"/>
+          <a:ext cx="0" cy="0"/>
+          <a:chOff x="0" y="0"/>
+          <a:chExt cx="0" cy="0"/>
+        </a:xfrm>
+      </p:grpSpPr>
+      <p:sp useBgFill="1">
+        <p:nvSpPr>
+          <p:cNvPr id="20" name="Rectangle 19">
+            <a:extLst>
+              <a:ext uri="{FF2B5EF4-FFF2-40B4-BE49-F238E27FC236}">
+                <a16:creationId xmlns:a16="http://schemas.microsoft.com/office/drawing/2014/main" id="{E45B1D5C-0827-4AF0-8186-11FC5A8B8B92}"/>
+              </a:ext>
+              <a:ext uri="{C183D7F6-B498-43B3-948B-1728B52AA6E4}">
+                <adec:decorative xmlns:adec="http://schemas.microsoft.com/office/drawing/2017/decorative" val="1"/>
+              </a:ext>
+            </a:extLst>
+          </p:cNvPr>
+          <p:cNvSpPr>
+            <a:spLocks noGrp="1" noRot="1" noChangeAspect="1" noMove="1" noResize="1" noEditPoints="1" noAdjustHandles="1" noChangeArrowheads="1" noChangeShapeType="1" noTextEdit="1"/>
+          </p:cNvSpPr>
+          <p:nvPr>
+            <p:extLst>
+              <p:ext uri="{386F3935-93C4-4BCD-93E2-E3B085C9AB24}">
+                <p16:designElem xmlns:p16="http://schemas.microsoft.com/office/powerpoint/2015/main" val="1"/>
+              </p:ext>
+            </p:extLst>
+          </p:nvPr>
+        </p:nvSpPr>
+        <p:spPr>
+          <a:xfrm>
+            <a:off x="0" y="0"/>
+            <a:ext cx="12191999" cy="6857365"/>
+          </a:xfrm>
+          <a:prstGeom prst="rect">
+            <a:avLst/>
+          </a:prstGeom>
+          <a:ln>
+            <a:noFill/>
+          </a:ln>
+        </p:spPr>
+        <p:style>
+          <a:lnRef idx="2">
+            <a:schemeClr val="accent1">
+              <a:shade val="50000"/>
+            </a:schemeClr>
+          </a:lnRef>
+          <a:fillRef idx="1">
+            <a:schemeClr val="accent1"/>
+          </a:fillRef>
+          <a:effectRef idx="0">
+            <a:schemeClr val="accent1"/>
+          </a:effectRef>
+          <a:fontRef idx="minor">
+            <a:schemeClr val="lt1"/>
+          </a:fontRef>
+        </p:style>
+        <p:txBody>
+          <a:bodyPr rtlCol="0" anchor="ctr"/>
+          <a:lstStyle/>
+          <a:p>
+            <a:pPr algn="ctr"/>
+            <a:endParaRPr lang="en-US"/>
+          </a:p>
+        </p:txBody>
+      </p:sp>
+      <p:sp>
+        <p:nvSpPr>
+          <p:cNvPr id="14" name="Title 13">
+            <a:extLst>
+              <a:ext uri="{FF2B5EF4-FFF2-40B4-BE49-F238E27FC236}">
+                <a16:creationId xmlns:a16="http://schemas.microsoft.com/office/drawing/2014/main" id="{7A1FDB93-1983-4B64-9414-D150426F1748}"/>
+              </a:ext>
+            </a:extLst>
+          </p:cNvPr>
+          <p:cNvSpPr>
+            <a:spLocks noGrp="1"/>
+          </p:cNvSpPr>
+          <p:nvPr>
+            <p:ph type="title"/>
+          </p:nvPr>
+        </p:nvSpPr>
+        <p:spPr>
+          <a:xfrm>
+            <a:off x="9267909" y="2023110"/>
+            <a:ext cx="2469624" cy="2846070"/>
+          </a:xfrm>
+        </p:spPr>
+        <p:txBody>
+          <a:bodyPr vert="horz" lIns="91440" tIns="45720" rIns="91440" bIns="45720" rtlCol="0" anchor="ctr">
+            <a:normAutofit/>
+          </a:bodyPr>
+          <a:lstStyle/>
+          <a:p>
+            <a:endParaRPr lang="en-US" sz="3700"/>
+          </a:p>
+        </p:txBody>
+      </p:sp>
+      <p:sp>
+        <p:nvSpPr>
+          <p:cNvPr id="22" name="Rectangle 21">
+            <a:extLst>
+              <a:ext uri="{FF2B5EF4-FFF2-40B4-BE49-F238E27FC236}">
+                <a16:creationId xmlns:a16="http://schemas.microsoft.com/office/drawing/2014/main" id="{99413ED5-9ED4-4772-BCE4-2BCAE6B12E35}"/>
+              </a:ext>
+              <a:ext uri="{C183D7F6-B498-43B3-948B-1728B52AA6E4}">
+                <adec:decorative xmlns:adec="http://schemas.microsoft.com/office/drawing/2017/decorative" val="1"/>
+              </a:ext>
+            </a:extLst>
+          </p:cNvPr>
+          <p:cNvSpPr>
+            <a:spLocks noGrp="1" noRot="1" noChangeAspect="1" noMove="1" noResize="1" noEditPoints="1" noAdjustHandles="1" noChangeArrowheads="1" noChangeShapeType="1" noTextEdit="1"/>
+          </p:cNvSpPr>
+          <p:nvPr>
+            <p:extLst>
+              <p:ext uri="{386F3935-93C4-4BCD-93E2-E3B085C9AB24}">
+                <p16:designElem xmlns:p16="http://schemas.microsoft.com/office/powerpoint/2015/main" val="1"/>
+              </p:ext>
+            </p:extLst>
+          </p:nvPr>
+        </p:nvSpPr>
+        <p:spPr>
+          <a:xfrm rot="16200000">
+            <a:off x="3433973" y="-827233"/>
+            <a:ext cx="1715478" cy="8583421"/>
+          </a:xfrm>
+          <a:prstGeom prst="rect">
+            <a:avLst/>
+          </a:prstGeom>
+          <a:solidFill>
+            <a:schemeClr val="accent4"/>
+          </a:solidFill>
+          <a:ln>
+            <a:noFill/>
+          </a:ln>
+        </p:spPr>
+        <p:style>
+          <a:lnRef idx="2">
+            <a:schemeClr val="accent1">
+              <a:shade val="50000"/>
+            </a:schemeClr>
+          </a:lnRef>
+          <a:fillRef idx="1">
+            <a:schemeClr val="accent1"/>
+          </a:fillRef>
+          <a:effectRef idx="0">
+            <a:schemeClr val="accent1"/>
+          </a:effectRef>
+          <a:fontRef idx="minor">
+            <a:schemeClr val="lt1"/>
+          </a:fontRef>
+        </p:style>
+        <p:txBody>
+          <a:bodyPr rtlCol="0" anchor="ctr"/>
+          <a:lstStyle/>
+          <a:p>
+            <a:pPr algn="ctr"/>
+            <a:endParaRPr lang="en-US" dirty="0"/>
+          </a:p>
+        </p:txBody>
+      </p:sp>
+      <p:sp>
+        <p:nvSpPr>
+          <p:cNvPr id="24" name="Rectangle 23">
+            <a:extLst>
+              <a:ext uri="{FF2B5EF4-FFF2-40B4-BE49-F238E27FC236}">
+                <a16:creationId xmlns:a16="http://schemas.microsoft.com/office/drawing/2014/main" id="{04357C93-F0CB-4A1C-8F77-4E9063789819}"/>
+              </a:ext>
+              <a:ext uri="{C183D7F6-B498-43B3-948B-1728B52AA6E4}">
+                <adec:decorative xmlns:adec="http://schemas.microsoft.com/office/drawing/2017/decorative" val="1"/>
+              </a:ext>
+            </a:extLst>
+          </p:cNvPr>
+          <p:cNvSpPr>
+            <a:spLocks noGrp="1" noRot="1" noChangeAspect="1" noMove="1" noResize="1" noEditPoints="1" noAdjustHandles="1" noChangeArrowheads="1" noChangeShapeType="1" noTextEdit="1"/>
+          </p:cNvSpPr>
+          <p:nvPr>
+            <p:extLst>
+              <p:ext uri="{386F3935-93C4-4BCD-93E2-E3B085C9AB24}">
+                <p16:designElem xmlns:p16="http://schemas.microsoft.com/office/powerpoint/2015/main" val="1"/>
+              </p:ext>
+            </p:extLst>
+          </p:nvPr>
+        </p:nvSpPr>
+        <p:spPr>
+          <a:xfrm>
+            <a:off x="302085" y="664308"/>
+            <a:ext cx="8082632" cy="5600340"/>
+          </a:xfrm>
+          <a:prstGeom prst="rect">
+            <a:avLst/>
+          </a:prstGeom>
+          <a:solidFill>
+            <a:schemeClr val="bg1"/>
+          </a:solidFill>
+          <a:ln>
+            <a:noFill/>
+          </a:ln>
+          <a:effectLst>
+            <a:outerShdw blurRad="139700" dist="127000" dir="5400000" algn="t" rotWithShape="0">
+              <a:prstClr val="black">
+                <a:alpha val="15000"/>
+              </a:prstClr>
+            </a:outerShdw>
+          </a:effectLst>
+        </p:spPr>
+        <p:style>
+          <a:lnRef idx="2">
+            <a:schemeClr val="accent1">
+              <a:shade val="50000"/>
+            </a:schemeClr>
+          </a:lnRef>
+          <a:fillRef idx="1">
+            <a:schemeClr val="accent1"/>
+          </a:fillRef>
+          <a:effectRef idx="0">
+            <a:schemeClr val="accent1"/>
+          </a:effectRef>
+          <a:fontRef idx="minor">
+            <a:schemeClr val="lt1"/>
+          </a:fontRef>
+        </p:style>
+        <p:txBody>
+          <a:bodyPr rtlCol="0" anchor="ctr"/>
+          <a:lstStyle/>
+          <a:p>
+            <a:pPr algn="ctr"/>
+            <a:endParaRPr lang="en-US"/>
+          </a:p>
+        </p:txBody>
+      </p:sp>
+      <p:pic>
+        <p:nvPicPr>
+          <p:cNvPr id="8" name="Content Placeholder 7" descr="Text, letter, whiteboard&#10;&#10;Description automatically generated">
+            <a:extLst>
+              <a:ext uri="{FF2B5EF4-FFF2-40B4-BE49-F238E27FC236}">
+                <a16:creationId xmlns:a16="http://schemas.microsoft.com/office/drawing/2014/main" id="{3715D443-FD0D-40B7-A8FF-7F66E4B1D31A}"/>
+              </a:ext>
+            </a:extLst>
+          </p:cNvPr>
+          <p:cNvPicPr>
+            <a:picLocks noGrp="1" noChangeAspect="1"/>
+          </p:cNvPicPr>
+          <p:nvPr>
+            <p:ph idx="1"/>
+          </p:nvPr>
+        </p:nvPicPr>
+        <p:blipFill rotWithShape="1">
+          <a:blip r:embed="rId2">
+            <a:extLst>
+              <a:ext uri="{28A0092B-C50C-407E-A947-70E740481C1C}">
+                <a14:useLocalDpi xmlns:a14="http://schemas.microsoft.com/office/drawing/2010/main" val="0"/>
+              </a:ext>
+            </a:extLst>
+          </a:blip>
+          <a:srcRect l="4" r="2" b="2"/>
+          <a:stretch/>
+        </p:blipFill>
+        <p:spPr>
+          <a:xfrm>
+            <a:off x="545238" y="858525"/>
+            <a:ext cx="7608304" cy="5211906"/>
+          </a:xfrm>
+          <a:prstGeom prst="rect">
+            <a:avLst/>
+          </a:prstGeom>
+        </p:spPr>
+      </p:pic>
+      <p:sp>
+        <p:nvSpPr>
+          <p:cNvPr id="26" name="Rectangle 25">
+            <a:extLst>
+              <a:ext uri="{FF2B5EF4-FFF2-40B4-BE49-F238E27FC236}">
+                <a16:creationId xmlns:a16="http://schemas.microsoft.com/office/drawing/2014/main" id="{90F533E9-6690-41A8-A372-4C6C622D028D}"/>
+              </a:ext>
+              <a:ext uri="{C183D7F6-B498-43B3-948B-1728B52AA6E4}">
+                <adec:decorative xmlns:adec="http://schemas.microsoft.com/office/drawing/2017/decorative" val="1"/>
+              </a:ext>
+            </a:extLst>
+          </p:cNvPr>
+          <p:cNvSpPr>
+            <a:spLocks noGrp="1" noRot="1" noChangeAspect="1" noMove="1" noResize="1" noEditPoints="1" noAdjustHandles="1" noChangeArrowheads="1" noChangeShapeType="1" noTextEdit="1"/>
+          </p:cNvSpPr>
+          <p:nvPr>
+            <p:extLst>
+              <p:ext uri="{386F3935-93C4-4BCD-93E2-E3B085C9AB24}">
+                <p16:designElem xmlns:p16="http://schemas.microsoft.com/office/powerpoint/2015/main" val="1"/>
+              </p:ext>
+            </p:extLst>
+          </p:nvPr>
+        </p:nvSpPr>
+        <p:spPr>
+          <a:xfrm rot="5400000">
+            <a:off x="7950447" y="3392097"/>
+            <a:ext cx="1719072" cy="152382"/>
+          </a:xfrm>
+          <a:prstGeom prst="rect">
+            <a:avLst/>
+          </a:prstGeom>
+          <a:solidFill>
+            <a:schemeClr val="accent4"/>
+          </a:solidFill>
+          <a:ln>
+            <a:noFill/>
+          </a:ln>
+        </p:spPr>
+        <p:style>
+          <a:lnRef idx="2">
+            <a:schemeClr val="accent1">
+              <a:shade val="50000"/>
+            </a:schemeClr>
+          </a:lnRef>
+          <a:fillRef idx="1">
+            <a:schemeClr val="accent1"/>
+          </a:fillRef>
+          <a:effectRef idx="0">
+            <a:schemeClr val="accent1"/>
+          </a:effectRef>
+          <a:fontRef idx="minor">
+            <a:schemeClr val="lt1"/>
+          </a:fontRef>
+        </p:style>
+        <p:txBody>
+          <a:bodyPr rtlCol="0" anchor="ctr"/>
+          <a:lstStyle/>
+          <a:p>
+            <a:pPr algn="ctr"/>
+            <a:endParaRPr lang="en-US"/>
+          </a:p>
+        </p:txBody>
+      </p:sp>
+    </p:spTree>
+    <p:extLst>
+      <p:ext uri="{BB962C8B-B14F-4D97-AF65-F5344CB8AC3E}">
+        <p14:creationId xmlns:p14="http://schemas.microsoft.com/office/powerpoint/2010/main" val="436697481"/>
+      </p:ext>
+    </p:extLst>
+  </p:cSld>
+  <p:clrMapOvr>
+    <a:masterClrMapping/>
+  </p:clrMapOvr>
+</p:sld>
+</file>
+
 <file path=ppt/slides/slide2.xml><?xml version="1.0" encoding="utf-8"?>
 <p:sld xmlns:a="http://schemas.openxmlformats.org/drawingml/2006/main" xmlns:r="http://schemas.openxmlformats.org/officeDocument/2006/relationships" xmlns:p="http://schemas.openxmlformats.org/presentationml/2006/main">
   <p:cSld>
@@ -4560,10 +4924,10 @@
       </p:sp>
       <p:pic>
         <p:nvPicPr>
-          <p:cNvPr id="5" name="Content Placeholder 4" descr="Text&#10;&#10;Description automatically generated">
-            <a:extLst>
-              <a:ext uri="{FF2B5EF4-FFF2-40B4-BE49-F238E27FC236}">
-                <a16:creationId xmlns:a16="http://schemas.microsoft.com/office/drawing/2014/main" id="{2610923A-6FEE-47F1-B77B-6E349FEA6556}"/>
+          <p:cNvPr id="6" name="Content Placeholder 5" descr="Graphical user interface, text&#10;&#10;Description automatically generated">
+            <a:extLst>
+              <a:ext uri="{FF2B5EF4-FFF2-40B4-BE49-F238E27FC236}">
+                <a16:creationId xmlns:a16="http://schemas.microsoft.com/office/drawing/2014/main" id="{1261EA02-7AE9-43A4-8746-CAA5A44CD485}"/>
               </a:ext>
             </a:extLst>
           </p:cNvPr>
@@ -4588,8 +4952,8 @@
         </p:blipFill>
         <p:spPr>
           <a:xfrm>
-            <a:off x="1799925" y="1690688"/>
-            <a:ext cx="8247378" cy="4642969"/>
+            <a:off x="2325296" y="1825625"/>
+            <a:ext cx="7541407" cy="4351338"/>
           </a:xfrm>
         </p:spPr>
       </p:pic>
@@ -4994,10 +5358,28 @@
 <p:sld xmlns:a="http://schemas.openxmlformats.org/drawingml/2006/main" xmlns:r="http://schemas.openxmlformats.org/officeDocument/2006/relationships" xmlns:p="http://schemas.openxmlformats.org/presentationml/2006/main">
   <p:cSld>
     <p:bg>
-      <p:bgPr>
-        <a:solidFill>
-          <a:schemeClr val="bg1"/>
-        </a:solidFill>
+      <p:bgPr shadeToTitle="1">
+        <a:gradFill flip="none" rotWithShape="1">
+          <a:gsLst>
+            <a:gs pos="0">
+              <a:schemeClr val="bg1"/>
+            </a:gs>
+            <a:gs pos="96000">
+              <a:schemeClr val="accent6">
+                <a:lumMod val="45000"/>
+                <a:lumOff val="55000"/>
+              </a:schemeClr>
+            </a:gs>
+            <a:gs pos="100000">
+              <a:schemeClr val="accent6">
+                <a:lumMod val="30000"/>
+                <a:lumOff val="70000"/>
+              </a:schemeClr>
+            </a:gs>
+          </a:gsLst>
+          <a:lin ang="5400000" scaled="1"/>
+          <a:tileRect/>
+        </a:gradFill>
         <a:effectLst/>
       </p:bgPr>
     </p:bg>
@@ -5015,72 +5397,12 @@
           <a:chExt cx="0" cy="0"/>
         </a:xfrm>
       </p:grpSpPr>
-      <p:sp useBgFill="1">
-        <p:nvSpPr>
-          <p:cNvPr id="20" name="Rectangle 19">
-            <a:extLst>
-              <a:ext uri="{FF2B5EF4-FFF2-40B4-BE49-F238E27FC236}">
-                <a16:creationId xmlns:a16="http://schemas.microsoft.com/office/drawing/2014/main" id="{E45B1D5C-0827-4AF0-8186-11FC5A8B8B92}"/>
-              </a:ext>
-              <a:ext uri="{C183D7F6-B498-43B3-948B-1728B52AA6E4}">
-                <adec:decorative xmlns:adec="http://schemas.microsoft.com/office/drawing/2017/decorative" val="1"/>
-              </a:ext>
-            </a:extLst>
-          </p:cNvPr>
-          <p:cNvSpPr>
-            <a:spLocks noGrp="1" noRot="1" noChangeAspect="1" noMove="1" noResize="1" noEditPoints="1" noAdjustHandles="1" noChangeArrowheads="1" noChangeShapeType="1" noTextEdit="1"/>
-          </p:cNvSpPr>
-          <p:nvPr>
-            <p:extLst>
-              <p:ext uri="{386F3935-93C4-4BCD-93E2-E3B085C9AB24}">
-                <p16:designElem xmlns:p16="http://schemas.microsoft.com/office/powerpoint/2015/main" val="1"/>
-              </p:ext>
-            </p:extLst>
-          </p:nvPr>
-        </p:nvSpPr>
-        <p:spPr>
-          <a:xfrm>
-            <a:off x="0" y="0"/>
-            <a:ext cx="12191999" cy="6857365"/>
-          </a:xfrm>
-          <a:prstGeom prst="rect">
-            <a:avLst/>
-          </a:prstGeom>
-          <a:ln>
-            <a:noFill/>
-          </a:ln>
-        </p:spPr>
-        <p:style>
-          <a:lnRef idx="2">
-            <a:schemeClr val="accent1">
-              <a:shade val="50000"/>
-            </a:schemeClr>
-          </a:lnRef>
-          <a:fillRef idx="1">
-            <a:schemeClr val="accent1"/>
-          </a:fillRef>
-          <a:effectRef idx="0">
-            <a:schemeClr val="accent1"/>
-          </a:effectRef>
-          <a:fontRef idx="minor">
-            <a:schemeClr val="lt1"/>
-          </a:fontRef>
-        </p:style>
-        <p:txBody>
-          <a:bodyPr rtlCol="0" anchor="ctr"/>
-          <a:lstStyle/>
-          <a:p>
-            <a:pPr algn="ctr"/>
-            <a:endParaRPr lang="en-US"/>
-          </a:p>
-        </p:txBody>
-      </p:sp>
-      <p:sp>
-        <p:nvSpPr>
-          <p:cNvPr id="14" name="Title 13">
-            <a:extLst>
-              <a:ext uri="{FF2B5EF4-FFF2-40B4-BE49-F238E27FC236}">
-                <a16:creationId xmlns:a16="http://schemas.microsoft.com/office/drawing/2014/main" id="{7A1FDB93-1983-4B64-9414-D150426F1748}"/>
+      <p:sp>
+        <p:nvSpPr>
+          <p:cNvPr id="2" name="Title 1">
+            <a:extLst>
+              <a:ext uri="{FF2B5EF4-FFF2-40B4-BE49-F238E27FC236}">
+                <a16:creationId xmlns:a16="http://schemas.microsoft.com/office/drawing/2014/main" id="{4517C26C-57DA-4AEF-80F6-80351331806D}"/>
               </a:ext>
             </a:extLst>
           </p:cNvPr>
@@ -5091,161 +5413,33 @@
             <p:ph type="title"/>
           </p:nvPr>
         </p:nvSpPr>
-        <p:spPr>
-          <a:xfrm>
-            <a:off x="9267909" y="2023110"/>
-            <a:ext cx="2469624" cy="2846070"/>
-          </a:xfrm>
-        </p:spPr>
-        <p:txBody>
-          <a:bodyPr vert="horz" lIns="91440" tIns="45720" rIns="91440" bIns="45720" rtlCol="0" anchor="ctr">
-            <a:normAutofit/>
-          </a:bodyPr>
-          <a:lstStyle/>
-          <a:p>
-            <a:endParaRPr lang="en-US" sz="3700"/>
-          </a:p>
-        </p:txBody>
-      </p:sp>
-      <p:sp>
-        <p:nvSpPr>
-          <p:cNvPr id="22" name="Rectangle 21">
-            <a:extLst>
-              <a:ext uri="{FF2B5EF4-FFF2-40B4-BE49-F238E27FC236}">
-                <a16:creationId xmlns:a16="http://schemas.microsoft.com/office/drawing/2014/main" id="{99413ED5-9ED4-4772-BCE4-2BCAE6B12E35}"/>
-              </a:ext>
-              <a:ext uri="{C183D7F6-B498-43B3-948B-1728B52AA6E4}">
-                <adec:decorative xmlns:adec="http://schemas.microsoft.com/office/drawing/2017/decorative" val="1"/>
-              </a:ext>
-            </a:extLst>
-          </p:cNvPr>
-          <p:cNvSpPr>
-            <a:spLocks noGrp="1" noRot="1" noChangeAspect="1" noMove="1" noResize="1" noEditPoints="1" noAdjustHandles="1" noChangeArrowheads="1" noChangeShapeType="1" noTextEdit="1"/>
-          </p:cNvSpPr>
-          <p:nvPr>
-            <p:extLst>
-              <p:ext uri="{386F3935-93C4-4BCD-93E2-E3B085C9AB24}">
-                <p16:designElem xmlns:p16="http://schemas.microsoft.com/office/powerpoint/2015/main" val="1"/>
-              </p:ext>
-            </p:extLst>
-          </p:nvPr>
-        </p:nvSpPr>
-        <p:spPr>
-          <a:xfrm rot="16200000">
-            <a:off x="3433973" y="-827233"/>
-            <a:ext cx="1715478" cy="8583421"/>
-          </a:xfrm>
-          <a:prstGeom prst="rect">
-            <a:avLst/>
-          </a:prstGeom>
-          <a:solidFill>
-            <a:schemeClr val="accent4"/>
-          </a:solidFill>
-          <a:ln>
-            <a:noFill/>
-          </a:ln>
-        </p:spPr>
-        <p:style>
-          <a:lnRef idx="2">
-            <a:schemeClr val="accent1">
-              <a:shade val="50000"/>
-            </a:schemeClr>
-          </a:lnRef>
-          <a:fillRef idx="1">
-            <a:schemeClr val="accent1"/>
-          </a:fillRef>
-          <a:effectRef idx="0">
-            <a:schemeClr val="accent1"/>
-          </a:effectRef>
-          <a:fontRef idx="minor">
-            <a:schemeClr val="lt1"/>
-          </a:fontRef>
-        </p:style>
-        <p:txBody>
-          <a:bodyPr rtlCol="0" anchor="ctr"/>
-          <a:lstStyle/>
-          <a:p>
-            <a:pPr algn="ctr"/>
+        <p:spPr/>
+        <p:txBody>
+          <a:bodyPr/>
+          <a:lstStyle/>
+          <a:p>
+            <a:r>
+              <a:rPr lang="en-US" dirty="0" err="1"/>
+              <a:t>Contoh</a:t>
+            </a:r>
+            <a:r>
+              <a:rPr lang="en-US" dirty="0"/>
+              <a:t> program </a:t>
+            </a:r>
+            <a:r>
+              <a:rPr lang="en-US" dirty="0" err="1"/>
+              <a:t>dijalankan</a:t>
+            </a:r>
             <a:endParaRPr lang="en-US" dirty="0"/>
-          </a:p>
-        </p:txBody>
-      </p:sp>
-      <p:sp>
-        <p:nvSpPr>
-          <p:cNvPr id="24" name="Rectangle 23">
-            <a:extLst>
-              <a:ext uri="{FF2B5EF4-FFF2-40B4-BE49-F238E27FC236}">
-                <a16:creationId xmlns:a16="http://schemas.microsoft.com/office/drawing/2014/main" id="{04357C93-F0CB-4A1C-8F77-4E9063789819}"/>
-              </a:ext>
-              <a:ext uri="{C183D7F6-B498-43B3-948B-1728B52AA6E4}">
-                <adec:decorative xmlns:adec="http://schemas.microsoft.com/office/drawing/2017/decorative" val="1"/>
-              </a:ext>
-            </a:extLst>
-          </p:cNvPr>
-          <p:cNvSpPr>
-            <a:spLocks noGrp="1" noRot="1" noChangeAspect="1" noMove="1" noResize="1" noEditPoints="1" noAdjustHandles="1" noChangeArrowheads="1" noChangeShapeType="1" noTextEdit="1"/>
-          </p:cNvSpPr>
-          <p:nvPr>
-            <p:extLst>
-              <p:ext uri="{386F3935-93C4-4BCD-93E2-E3B085C9AB24}">
-                <p16:designElem xmlns:p16="http://schemas.microsoft.com/office/powerpoint/2015/main" val="1"/>
-              </p:ext>
-            </p:extLst>
-          </p:nvPr>
-        </p:nvSpPr>
-        <p:spPr>
-          <a:xfrm>
-            <a:off x="302085" y="664308"/>
-            <a:ext cx="8082632" cy="5600340"/>
-          </a:xfrm>
-          <a:prstGeom prst="rect">
-            <a:avLst/>
-          </a:prstGeom>
-          <a:solidFill>
-            <a:schemeClr val="bg1"/>
-          </a:solidFill>
-          <a:ln>
-            <a:noFill/>
-          </a:ln>
-          <a:effectLst>
-            <a:outerShdw blurRad="139700" dist="127000" dir="5400000" algn="t" rotWithShape="0">
-              <a:prstClr val="black">
-                <a:alpha val="15000"/>
-              </a:prstClr>
-            </a:outerShdw>
-          </a:effectLst>
-        </p:spPr>
-        <p:style>
-          <a:lnRef idx="2">
-            <a:schemeClr val="accent1">
-              <a:shade val="50000"/>
-            </a:schemeClr>
-          </a:lnRef>
-          <a:fillRef idx="1">
-            <a:schemeClr val="accent1"/>
-          </a:fillRef>
-          <a:effectRef idx="0">
-            <a:schemeClr val="accent1"/>
-          </a:effectRef>
-          <a:fontRef idx="minor">
-            <a:schemeClr val="lt1"/>
-          </a:fontRef>
-        </p:style>
-        <p:txBody>
-          <a:bodyPr rtlCol="0" anchor="ctr"/>
-          <a:lstStyle/>
-          <a:p>
-            <a:pPr algn="ctr"/>
-            <a:endParaRPr lang="en-US"/>
           </a:p>
         </p:txBody>
       </p:sp>
       <p:pic>
         <p:nvPicPr>
-          <p:cNvPr id="8" name="Content Placeholder 7" descr="Text, letter, whiteboard&#10;&#10;Description automatically generated">
-            <a:extLst>
-              <a:ext uri="{FF2B5EF4-FFF2-40B4-BE49-F238E27FC236}">
-                <a16:creationId xmlns:a16="http://schemas.microsoft.com/office/drawing/2014/main" id="{3715D443-FD0D-40B7-A8FF-7F66E4B1D31A}"/>
+          <p:cNvPr id="7" name="Content Placeholder 6" descr="A picture containing table&#10;&#10;Description automatically generated">
+            <a:extLst>
+              <a:ext uri="{FF2B5EF4-FFF2-40B4-BE49-F238E27FC236}">
+                <a16:creationId xmlns:a16="http://schemas.microsoft.com/office/drawing/2014/main" id="{786D4F85-0E8E-4A20-BB9C-97EFF59FFCA6}"/>
               </a:ext>
             </a:extLst>
           </p:cNvPr>
@@ -5256,7 +5450,7 @@
             <p:ph idx="1"/>
           </p:nvPr>
         </p:nvPicPr>
-        <p:blipFill rotWithShape="1">
+        <p:blipFill>
           <a:blip r:embed="rId2">
             <a:extLst>
               <a:ext uri="{28A0092B-C50C-407E-A947-70E740481C1C}">
@@ -5264,86 +5458,21 @@
               </a:ext>
             </a:extLst>
           </a:blip>
-          <a:srcRect l="4" r="2" b="2"/>
-          <a:stretch/>
+          <a:stretch>
+            <a:fillRect/>
+          </a:stretch>
         </p:blipFill>
         <p:spPr>
           <a:xfrm>
-            <a:off x="545238" y="858525"/>
-            <a:ext cx="7608304" cy="5211906"/>
+            <a:off x="2341436" y="1825625"/>
+            <a:ext cx="7509127" cy="4351338"/>
           </a:xfrm>
-          <a:prstGeom prst="rect">
-            <a:avLst/>
-          </a:prstGeom>
         </p:spPr>
       </p:pic>
-      <p:sp>
-        <p:nvSpPr>
-          <p:cNvPr id="26" name="Rectangle 25">
-            <a:extLst>
-              <a:ext uri="{FF2B5EF4-FFF2-40B4-BE49-F238E27FC236}">
-                <a16:creationId xmlns:a16="http://schemas.microsoft.com/office/drawing/2014/main" id="{90F533E9-6690-41A8-A372-4C6C622D028D}"/>
-              </a:ext>
-              <a:ext uri="{C183D7F6-B498-43B3-948B-1728B52AA6E4}">
-                <adec:decorative xmlns:adec="http://schemas.microsoft.com/office/drawing/2017/decorative" val="1"/>
-              </a:ext>
-            </a:extLst>
-          </p:cNvPr>
-          <p:cNvSpPr>
-            <a:spLocks noGrp="1" noRot="1" noChangeAspect="1" noMove="1" noResize="1" noEditPoints="1" noAdjustHandles="1" noChangeArrowheads="1" noChangeShapeType="1" noTextEdit="1"/>
-          </p:cNvSpPr>
-          <p:nvPr>
-            <p:extLst>
-              <p:ext uri="{386F3935-93C4-4BCD-93E2-E3B085C9AB24}">
-                <p16:designElem xmlns:p16="http://schemas.microsoft.com/office/powerpoint/2015/main" val="1"/>
-              </p:ext>
-            </p:extLst>
-          </p:nvPr>
-        </p:nvSpPr>
-        <p:spPr>
-          <a:xfrm rot="5400000">
-            <a:off x="7950447" y="3392097"/>
-            <a:ext cx="1719072" cy="152382"/>
-          </a:xfrm>
-          <a:prstGeom prst="rect">
-            <a:avLst/>
-          </a:prstGeom>
-          <a:solidFill>
-            <a:schemeClr val="accent4"/>
-          </a:solidFill>
-          <a:ln>
-            <a:noFill/>
-          </a:ln>
-        </p:spPr>
-        <p:style>
-          <a:lnRef idx="2">
-            <a:schemeClr val="accent1">
-              <a:shade val="50000"/>
-            </a:schemeClr>
-          </a:lnRef>
-          <a:fillRef idx="1">
-            <a:schemeClr val="accent1"/>
-          </a:fillRef>
-          <a:effectRef idx="0">
-            <a:schemeClr val="accent1"/>
-          </a:effectRef>
-          <a:fontRef idx="minor">
-            <a:schemeClr val="lt1"/>
-          </a:fontRef>
-        </p:style>
-        <p:txBody>
-          <a:bodyPr rtlCol="0" anchor="ctr"/>
-          <a:lstStyle/>
-          <a:p>
-            <a:pPr algn="ctr"/>
-            <a:endParaRPr lang="en-US"/>
-          </a:p>
-        </p:txBody>
-      </p:sp>
     </p:spTree>
     <p:extLst>
       <p:ext uri="{BB962C8B-B14F-4D97-AF65-F5344CB8AC3E}">
-        <p14:creationId xmlns:p14="http://schemas.microsoft.com/office/powerpoint/2010/main" val="436697481"/>
+        <p14:creationId xmlns:p14="http://schemas.microsoft.com/office/powerpoint/2010/main" val="809479624"/>
       </p:ext>
     </p:extLst>
   </p:cSld>

--- a/Food Delivery System.pptx
+++ b/Food Delivery System.pptx
@@ -268,7 +268,7 @@
           <a:p>
             <a:fld id="{1F19A45D-7DA2-4C32-99C7-5202EC42A9E7}" type="datetimeFigureOut">
               <a:rPr lang="en-US" smtClean="0"/>
-              <a:t>10/20/2020</a:t>
+              <a:t>10/28/2020</a:t>
             </a:fld>
             <a:endParaRPr lang="en-US"/>
           </a:p>
@@ -466,7 +466,7 @@
           <a:p>
             <a:fld id="{1F19A45D-7DA2-4C32-99C7-5202EC42A9E7}" type="datetimeFigureOut">
               <a:rPr lang="en-US" smtClean="0"/>
-              <a:t>10/20/2020</a:t>
+              <a:t>10/28/2020</a:t>
             </a:fld>
             <a:endParaRPr lang="en-US"/>
           </a:p>
@@ -674,7 +674,7 @@
           <a:p>
             <a:fld id="{1F19A45D-7DA2-4C32-99C7-5202EC42A9E7}" type="datetimeFigureOut">
               <a:rPr lang="en-US" smtClean="0"/>
-              <a:t>10/20/2020</a:t>
+              <a:t>10/28/2020</a:t>
             </a:fld>
             <a:endParaRPr lang="en-US"/>
           </a:p>
@@ -872,7 +872,7 @@
           <a:p>
             <a:fld id="{1F19A45D-7DA2-4C32-99C7-5202EC42A9E7}" type="datetimeFigureOut">
               <a:rPr lang="en-US" smtClean="0"/>
-              <a:t>10/20/2020</a:t>
+              <a:t>10/28/2020</a:t>
             </a:fld>
             <a:endParaRPr lang="en-US"/>
           </a:p>
@@ -1147,7 +1147,7 @@
           <a:p>
             <a:fld id="{1F19A45D-7DA2-4C32-99C7-5202EC42A9E7}" type="datetimeFigureOut">
               <a:rPr lang="en-US" smtClean="0"/>
-              <a:t>10/20/2020</a:t>
+              <a:t>10/28/2020</a:t>
             </a:fld>
             <a:endParaRPr lang="en-US"/>
           </a:p>
@@ -1412,7 +1412,7 @@
           <a:p>
             <a:fld id="{1F19A45D-7DA2-4C32-99C7-5202EC42A9E7}" type="datetimeFigureOut">
               <a:rPr lang="en-US" smtClean="0"/>
-              <a:t>10/20/2020</a:t>
+              <a:t>10/28/2020</a:t>
             </a:fld>
             <a:endParaRPr lang="en-US"/>
           </a:p>
@@ -1824,7 +1824,7 @@
           <a:p>
             <a:fld id="{1F19A45D-7DA2-4C32-99C7-5202EC42A9E7}" type="datetimeFigureOut">
               <a:rPr lang="en-US" smtClean="0"/>
-              <a:t>10/20/2020</a:t>
+              <a:t>10/28/2020</a:t>
             </a:fld>
             <a:endParaRPr lang="en-US"/>
           </a:p>
@@ -1965,7 +1965,7 @@
           <a:p>
             <a:fld id="{1F19A45D-7DA2-4C32-99C7-5202EC42A9E7}" type="datetimeFigureOut">
               <a:rPr lang="en-US" smtClean="0"/>
-              <a:t>10/20/2020</a:t>
+              <a:t>10/28/2020</a:t>
             </a:fld>
             <a:endParaRPr lang="en-US"/>
           </a:p>
@@ -2078,7 +2078,7 @@
           <a:p>
             <a:fld id="{1F19A45D-7DA2-4C32-99C7-5202EC42A9E7}" type="datetimeFigureOut">
               <a:rPr lang="en-US" smtClean="0"/>
-              <a:t>10/20/2020</a:t>
+              <a:t>10/28/2020</a:t>
             </a:fld>
             <a:endParaRPr lang="en-US"/>
           </a:p>
@@ -2389,7 +2389,7 @@
           <a:p>
             <a:fld id="{1F19A45D-7DA2-4C32-99C7-5202EC42A9E7}" type="datetimeFigureOut">
               <a:rPr lang="en-US" smtClean="0"/>
-              <a:t>10/20/2020</a:t>
+              <a:t>10/28/2020</a:t>
             </a:fld>
             <a:endParaRPr lang="en-US"/>
           </a:p>
@@ -2677,7 +2677,7 @@
           <a:p>
             <a:fld id="{1F19A45D-7DA2-4C32-99C7-5202EC42A9E7}" type="datetimeFigureOut">
               <a:rPr lang="en-US" smtClean="0"/>
-              <a:t>10/20/2020</a:t>
+              <a:t>10/28/2020</a:t>
             </a:fld>
             <a:endParaRPr lang="en-US"/>
           </a:p>
@@ -2918,7 +2918,7 @@
           <a:p>
             <a:fld id="{1F19A45D-7DA2-4C32-99C7-5202EC42A9E7}" type="datetimeFigureOut">
               <a:rPr lang="en-US" smtClean="0"/>
-              <a:t>10/20/2020</a:t>
+              <a:t>10/28/2020</a:t>
             </a:fld>
             <a:endParaRPr lang="en-US"/>
           </a:p>
@@ -4796,10 +4796,10 @@
       </p:grpSpPr>
       <p:pic>
         <p:nvPicPr>
-          <p:cNvPr id="7" name="Content Placeholder 6" descr="Diagram, schematic&#10;&#10;Description automatically generated">
-            <a:extLst>
-              <a:ext uri="{FF2B5EF4-FFF2-40B4-BE49-F238E27FC236}">
-                <a16:creationId xmlns:a16="http://schemas.microsoft.com/office/drawing/2014/main" id="{264F1445-50F0-4CC6-8AC6-CDB693147BA4}"/>
+          <p:cNvPr id="5" name="Content Placeholder 4" descr="Diagram, schematic&#10;&#10;Description automatically generated">
+            <a:extLst>
+              <a:ext uri="{FF2B5EF4-FFF2-40B4-BE49-F238E27FC236}">
+                <a16:creationId xmlns:a16="http://schemas.microsoft.com/office/drawing/2014/main" id="{DF9F61F5-0D35-40A1-8170-E3A4A0F30A08}"/>
               </a:ext>
             </a:extLst>
           </p:cNvPr>
@@ -4824,8 +4824,8 @@
         </p:blipFill>
         <p:spPr>
           <a:xfrm>
-            <a:off x="1752320" y="0"/>
-            <a:ext cx="9080780" cy="6869759"/>
+            <a:off x="1816230" y="0"/>
+            <a:ext cx="8559539" cy="6857193"/>
           </a:xfrm>
         </p:spPr>
       </p:pic>
@@ -5180,10 +5180,10 @@
       </p:sp>
       <p:pic>
         <p:nvPicPr>
-          <p:cNvPr id="7" name="Content Placeholder 6" descr="Text&#10;&#10;Description automatically generated">
-            <a:extLst>
-              <a:ext uri="{FF2B5EF4-FFF2-40B4-BE49-F238E27FC236}">
-                <a16:creationId xmlns:a16="http://schemas.microsoft.com/office/drawing/2014/main" id="{CE623B27-0F77-47AD-A4DD-C9A1F91F34D2}"/>
+          <p:cNvPr id="6" name="Content Placeholder 5" descr="Text&#10;&#10;Description automatically generated">
+            <a:extLst>
+              <a:ext uri="{FF2B5EF4-FFF2-40B4-BE49-F238E27FC236}">
+                <a16:creationId xmlns:a16="http://schemas.microsoft.com/office/drawing/2014/main" id="{7A3D3474-8CC1-48F6-B49C-FDDAD966924C}"/>
               </a:ext>
             </a:extLst>
           </p:cNvPr>
@@ -5208,8 +5208,8 @@
         </p:blipFill>
         <p:spPr>
           <a:xfrm>
-            <a:off x="2255744" y="1825625"/>
-            <a:ext cx="7680511" cy="4351338"/>
+            <a:off x="2253006" y="1776403"/>
+            <a:ext cx="7600968" cy="4400560"/>
           </a:xfrm>
         </p:spPr>
       </p:pic>
